--- a/TRP/BAS/BAS-03/494-BAS-03 - Trainee Presentation.pptx
+++ b/TRP/BAS/BAS-03/494-BAS-03 - Trainee Presentation.pptx
@@ -7,7 +7,7 @@
     <p:sldMasterId id="2147483686" r:id="rId3"/>
   </p:sldMasterIdLst>
   <p:notesMasterIdLst>
-    <p:notesMasterId r:id="rId28"/>
+    <p:notesMasterId r:id="rId43"/>
   </p:notesMasterIdLst>
   <p:sldIdLst>
     <p:sldId id="256" r:id="rId4"/>
@@ -34,6 +34,21 @@
     <p:sldId id="278" r:id="rId25"/>
     <p:sldId id="279" r:id="rId26"/>
     <p:sldId id="280" r:id="rId27"/>
+    <p:sldId id="281" r:id="rId28"/>
+    <p:sldId id="282" r:id="rId29"/>
+    <p:sldId id="283" r:id="rId30"/>
+    <p:sldId id="284" r:id="rId31"/>
+    <p:sldId id="285" r:id="rId32"/>
+    <p:sldId id="286" r:id="rId33"/>
+    <p:sldId id="287" r:id="rId34"/>
+    <p:sldId id="289" r:id="rId35"/>
+    <p:sldId id="288" r:id="rId36"/>
+    <p:sldId id="290" r:id="rId37"/>
+    <p:sldId id="291" r:id="rId38"/>
+    <p:sldId id="294" r:id="rId39"/>
+    <p:sldId id="295" r:id="rId40"/>
+    <p:sldId id="292" r:id="rId41"/>
+    <p:sldId id="293" r:id="rId42"/>
   </p:sldIdLst>
   <p:sldSz cx="9144000" cy="6858000" type="screen4x3"/>
   <p:notesSz cx="6858000" cy="9144000"/>
@@ -177,6 +192,25 @@
           <p14:sldIdLst>
             <p14:sldId id="279"/>
             <p14:sldId id="280"/>
+            <p14:sldId id="281"/>
+            <p14:sldId id="282"/>
+            <p14:sldId id="283"/>
+            <p14:sldId id="284"/>
+            <p14:sldId id="285"/>
+            <p14:sldId id="286"/>
+          </p14:sldIdLst>
+        </p14:section>
+        <p14:section name="Landing" id="{A0D4A70D-051B-4ED2-8537-1E41A48D4626}">
+          <p14:sldIdLst>
+            <p14:sldId id="287"/>
+            <p14:sldId id="289"/>
+            <p14:sldId id="288"/>
+            <p14:sldId id="290"/>
+            <p14:sldId id="291"/>
+            <p14:sldId id="294"/>
+            <p14:sldId id="295"/>
+            <p14:sldId id="292"/>
+            <p14:sldId id="293"/>
           </p14:sldIdLst>
         </p14:section>
       </p14:sectionLst>
@@ -216,8 +250,8 @@
 <file path=ppt/revisionInfo.xml><?xml version="1.0" encoding="utf-8"?>
 <p1510:revInfo xmlns:a="http://schemas.openxmlformats.org/drawingml/2006/main" xmlns:r="http://schemas.openxmlformats.org/officeDocument/2006/relationships" xmlns:p1510="http://schemas.microsoft.com/office/powerpoint/2015/10/main">
   <p1510:revLst>
-    <p1510:client id="{0E84768E-2EC3-4932-A7D7-64CA7A4A8220}" v="22" dt="2020-09-25T15:32:34.004"/>
     <p1510:client id="{28E1BA76-4189-4745-8F3B-C988542B9CC1}" v="35" dt="2020-09-26T14:57:40.052"/>
+    <p1510:client id="{E93054AD-10A9-4843-AFF1-99DF7BB257C6}" v="14" dt="2020-09-26T17:00:23.355"/>
   </p1510:revLst>
 </p1510:revInfo>
 </file>
@@ -1611,6 +1645,445 @@
       </pc:sldChg>
     </pc:docChg>
   </pc:docChgLst>
+  <pc:docChgLst>
+    <pc:chgData name="Adam Arkley" userId="d399d8a812f0f754" providerId="LiveId" clId="{E93054AD-10A9-4843-AFF1-99DF7BB257C6}"/>
+    <pc:docChg chg="undo custSel addSld modSld sldOrd addSection delSection modSection">
+      <pc:chgData name="Adam Arkley" userId="d399d8a812f0f754" providerId="LiveId" clId="{E93054AD-10A9-4843-AFF1-99DF7BB257C6}" dt="2020-09-26T17:02:09.730" v="7351" actId="20577"/>
+      <pc:docMkLst>
+        <pc:docMk/>
+      </pc:docMkLst>
+      <pc:sldChg chg="modSp mod">
+        <pc:chgData name="Adam Arkley" userId="d399d8a812f0f754" providerId="LiveId" clId="{E93054AD-10A9-4843-AFF1-99DF7BB257C6}" dt="2020-09-26T17:02:09.730" v="7351" actId="20577"/>
+        <pc:sldMkLst>
+          <pc:docMk/>
+          <pc:sldMk cId="2701037055" sldId="256"/>
+        </pc:sldMkLst>
+        <pc:spChg chg="mod">
+          <ac:chgData name="Adam Arkley" userId="d399d8a812f0f754" providerId="LiveId" clId="{E93054AD-10A9-4843-AFF1-99DF7BB257C6}" dt="2020-09-26T17:02:07.794" v="7349" actId="20577"/>
+          <ac:spMkLst>
+            <pc:docMk/>
+            <pc:sldMk cId="2701037055" sldId="256"/>
+            <ac:spMk id="4" creationId="{0F370610-8E27-43C6-88E0-34FB0AF38598}"/>
+          </ac:spMkLst>
+        </pc:spChg>
+        <pc:spChg chg="mod">
+          <ac:chgData name="Adam Arkley" userId="d399d8a812f0f754" providerId="LiveId" clId="{E93054AD-10A9-4843-AFF1-99DF7BB257C6}" dt="2020-09-26T17:02:09.730" v="7351" actId="20577"/>
+          <ac:spMkLst>
+            <pc:docMk/>
+            <pc:sldMk cId="2701037055" sldId="256"/>
+            <ac:spMk id="6" creationId="{424E565A-5570-49BD-91D8-FCEE7A8CF147}"/>
+          </ac:spMkLst>
+        </pc:spChg>
+      </pc:sldChg>
+      <pc:sldChg chg="modSp mod">
+        <pc:chgData name="Adam Arkley" userId="d399d8a812f0f754" providerId="LiveId" clId="{E93054AD-10A9-4843-AFF1-99DF7BB257C6}" dt="2020-09-26T16:30:37.121" v="3671" actId="6549"/>
+        <pc:sldMkLst>
+          <pc:docMk/>
+          <pc:sldMk cId="591849276" sldId="257"/>
+        </pc:sldMkLst>
+        <pc:spChg chg="mod">
+          <ac:chgData name="Adam Arkley" userId="d399d8a812f0f754" providerId="LiveId" clId="{E93054AD-10A9-4843-AFF1-99DF7BB257C6}" dt="2020-09-26T16:30:37.121" v="3671" actId="6549"/>
+          <ac:spMkLst>
+            <pc:docMk/>
+            <pc:sldMk cId="591849276" sldId="257"/>
+            <ac:spMk id="8" creationId="{BE0E3DF2-7D61-4E65-B9C8-8C8786AC82BB}"/>
+          </ac:spMkLst>
+        </pc:spChg>
+      </pc:sldChg>
+      <pc:sldChg chg="addSp modSp mod">
+        <pc:chgData name="Adam Arkley" userId="d399d8a812f0f754" providerId="LiveId" clId="{E93054AD-10A9-4843-AFF1-99DF7BB257C6}" dt="2020-09-26T16:10:13.222" v="387" actId="1076"/>
+        <pc:sldMkLst>
+          <pc:docMk/>
+          <pc:sldMk cId="842297462" sldId="280"/>
+        </pc:sldMkLst>
+        <pc:spChg chg="mod">
+          <ac:chgData name="Adam Arkley" userId="d399d8a812f0f754" providerId="LiveId" clId="{E93054AD-10A9-4843-AFF1-99DF7BB257C6}" dt="2020-09-26T16:10:10.043" v="385" actId="14100"/>
+          <ac:spMkLst>
+            <pc:docMk/>
+            <pc:sldMk cId="842297462" sldId="280"/>
+            <ac:spMk id="7" creationId="{81C08BC2-19A8-464B-A2C7-FE134A960E49}"/>
+          </ac:spMkLst>
+        </pc:spChg>
+        <pc:picChg chg="add mod">
+          <ac:chgData name="Adam Arkley" userId="d399d8a812f0f754" providerId="LiveId" clId="{E93054AD-10A9-4843-AFF1-99DF7BB257C6}" dt="2020-09-26T16:10:13.222" v="387" actId="1076"/>
+          <ac:picMkLst>
+            <pc:docMk/>
+            <pc:sldMk cId="842297462" sldId="280"/>
+            <ac:picMk id="3" creationId="{D9F2B9E1-D7E9-4CCE-AAD9-EEA633C47420}"/>
+          </ac:picMkLst>
+        </pc:picChg>
+      </pc:sldChg>
+      <pc:sldChg chg="addSp modSp add mod ord">
+        <pc:chgData name="Adam Arkley" userId="d399d8a812f0f754" providerId="LiveId" clId="{E93054AD-10A9-4843-AFF1-99DF7BB257C6}" dt="2020-09-26T16:12:13.880" v="837" actId="20577"/>
+        <pc:sldMkLst>
+          <pc:docMk/>
+          <pc:sldMk cId="1894822069" sldId="281"/>
+        </pc:sldMkLst>
+        <pc:spChg chg="mod">
+          <ac:chgData name="Adam Arkley" userId="d399d8a812f0f754" providerId="LiveId" clId="{E93054AD-10A9-4843-AFF1-99DF7BB257C6}" dt="2020-09-26T16:10:21.208" v="395" actId="20577"/>
+          <ac:spMkLst>
+            <pc:docMk/>
+            <pc:sldMk cId="1894822069" sldId="281"/>
+            <ac:spMk id="6" creationId="{C5372D0A-E260-4F85-BA5F-02B997435337}"/>
+          </ac:spMkLst>
+        </pc:spChg>
+        <pc:spChg chg="mod">
+          <ac:chgData name="Adam Arkley" userId="d399d8a812f0f754" providerId="LiveId" clId="{E93054AD-10A9-4843-AFF1-99DF7BB257C6}" dt="2020-09-26T16:12:13.880" v="837" actId="20577"/>
+          <ac:spMkLst>
+            <pc:docMk/>
+            <pc:sldMk cId="1894822069" sldId="281"/>
+            <ac:spMk id="7" creationId="{81C08BC2-19A8-464B-A2C7-FE134A960E49}"/>
+          </ac:spMkLst>
+        </pc:spChg>
+        <pc:picChg chg="add mod">
+          <ac:chgData name="Adam Arkley" userId="d399d8a812f0f754" providerId="LiveId" clId="{E93054AD-10A9-4843-AFF1-99DF7BB257C6}" dt="2020-09-26T16:11:53.379" v="665" actId="1076"/>
+          <ac:picMkLst>
+            <pc:docMk/>
+            <pc:sldMk cId="1894822069" sldId="281"/>
+            <ac:picMk id="3" creationId="{98E18573-2B0F-4E91-BC70-DF42EFD70566}"/>
+          </ac:picMkLst>
+        </pc:picChg>
+      </pc:sldChg>
+      <pc:sldChg chg="addSp delSp modSp add mod">
+        <pc:chgData name="Adam Arkley" userId="d399d8a812f0f754" providerId="LiveId" clId="{E93054AD-10A9-4843-AFF1-99DF7BB257C6}" dt="2020-09-26T16:15:20.129" v="1224" actId="20577"/>
+        <pc:sldMkLst>
+          <pc:docMk/>
+          <pc:sldMk cId="862832244" sldId="282"/>
+        </pc:sldMkLst>
+        <pc:spChg chg="mod">
+          <ac:chgData name="Adam Arkley" userId="d399d8a812f0f754" providerId="LiveId" clId="{E93054AD-10A9-4843-AFF1-99DF7BB257C6}" dt="2020-09-26T16:15:20.129" v="1224" actId="20577"/>
+          <ac:spMkLst>
+            <pc:docMk/>
+            <pc:sldMk cId="862832244" sldId="282"/>
+            <ac:spMk id="7" creationId="{81C08BC2-19A8-464B-A2C7-FE134A960E49}"/>
+          </ac:spMkLst>
+        </pc:spChg>
+        <pc:picChg chg="del">
+          <ac:chgData name="Adam Arkley" userId="d399d8a812f0f754" providerId="LiveId" clId="{E93054AD-10A9-4843-AFF1-99DF7BB257C6}" dt="2020-09-26T16:14:26.543" v="839" actId="478"/>
+          <ac:picMkLst>
+            <pc:docMk/>
+            <pc:sldMk cId="862832244" sldId="282"/>
+            <ac:picMk id="3" creationId="{98E18573-2B0F-4E91-BC70-DF42EFD70566}"/>
+          </ac:picMkLst>
+        </pc:picChg>
+        <pc:picChg chg="add mod">
+          <ac:chgData name="Adam Arkley" userId="d399d8a812f0f754" providerId="LiveId" clId="{E93054AD-10A9-4843-AFF1-99DF7BB257C6}" dt="2020-09-26T16:14:32.523" v="842" actId="1076"/>
+          <ac:picMkLst>
+            <pc:docMk/>
+            <pc:sldMk cId="862832244" sldId="282"/>
+            <ac:picMk id="4" creationId="{43970568-6A7E-4DAB-BDB0-3B04E33C477A}"/>
+          </ac:picMkLst>
+        </pc:picChg>
+      </pc:sldChg>
+      <pc:sldChg chg="modSp add mod ord">
+        <pc:chgData name="Adam Arkley" userId="d399d8a812f0f754" providerId="LiveId" clId="{E93054AD-10A9-4843-AFF1-99DF7BB257C6}" dt="2020-09-26T16:18:51.925" v="2118" actId="20577"/>
+        <pc:sldMkLst>
+          <pc:docMk/>
+          <pc:sldMk cId="3477152732" sldId="283"/>
+        </pc:sldMkLst>
+        <pc:spChg chg="mod">
+          <ac:chgData name="Adam Arkley" userId="d399d8a812f0f754" providerId="LiveId" clId="{E93054AD-10A9-4843-AFF1-99DF7BB257C6}" dt="2020-09-26T16:15:29.887" v="1233" actId="20577"/>
+          <ac:spMkLst>
+            <pc:docMk/>
+            <pc:sldMk cId="3477152732" sldId="283"/>
+            <ac:spMk id="6" creationId="{C5372D0A-E260-4F85-BA5F-02B997435337}"/>
+          </ac:spMkLst>
+        </pc:spChg>
+        <pc:spChg chg="mod">
+          <ac:chgData name="Adam Arkley" userId="d399d8a812f0f754" providerId="LiveId" clId="{E93054AD-10A9-4843-AFF1-99DF7BB257C6}" dt="2020-09-26T16:18:51.925" v="2118" actId="20577"/>
+          <ac:spMkLst>
+            <pc:docMk/>
+            <pc:sldMk cId="3477152732" sldId="283"/>
+            <ac:spMk id="7" creationId="{81C08BC2-19A8-464B-A2C7-FE134A960E49}"/>
+          </ac:spMkLst>
+        </pc:spChg>
+      </pc:sldChg>
+      <pc:sldChg chg="modSp add mod">
+        <pc:chgData name="Adam Arkley" userId="d399d8a812f0f754" providerId="LiveId" clId="{E93054AD-10A9-4843-AFF1-99DF7BB257C6}" dt="2020-09-26T16:26:24.981" v="3059" actId="20577"/>
+        <pc:sldMkLst>
+          <pc:docMk/>
+          <pc:sldMk cId="383464206" sldId="284"/>
+        </pc:sldMkLst>
+        <pc:spChg chg="mod">
+          <ac:chgData name="Adam Arkley" userId="d399d8a812f0f754" providerId="LiveId" clId="{E93054AD-10A9-4843-AFF1-99DF7BB257C6}" dt="2020-09-26T16:19:47.707" v="2129" actId="20577"/>
+          <ac:spMkLst>
+            <pc:docMk/>
+            <pc:sldMk cId="383464206" sldId="284"/>
+            <ac:spMk id="6" creationId="{C5372D0A-E260-4F85-BA5F-02B997435337}"/>
+          </ac:spMkLst>
+        </pc:spChg>
+        <pc:spChg chg="mod">
+          <ac:chgData name="Adam Arkley" userId="d399d8a812f0f754" providerId="LiveId" clId="{E93054AD-10A9-4843-AFF1-99DF7BB257C6}" dt="2020-09-26T16:26:24.981" v="3059" actId="20577"/>
+          <ac:spMkLst>
+            <pc:docMk/>
+            <pc:sldMk cId="383464206" sldId="284"/>
+            <ac:spMk id="7" creationId="{81C08BC2-19A8-464B-A2C7-FE134A960E49}"/>
+          </ac:spMkLst>
+        </pc:spChg>
+      </pc:sldChg>
+      <pc:sldChg chg="addSp modSp add mod ord">
+        <pc:chgData name="Adam Arkley" userId="d399d8a812f0f754" providerId="LiveId" clId="{E93054AD-10A9-4843-AFF1-99DF7BB257C6}" dt="2020-09-26T16:23:55.895" v="2641"/>
+        <pc:sldMkLst>
+          <pc:docMk/>
+          <pc:sldMk cId="41099643" sldId="285"/>
+        </pc:sldMkLst>
+        <pc:spChg chg="mod">
+          <ac:chgData name="Adam Arkley" userId="d399d8a812f0f754" providerId="LiveId" clId="{E93054AD-10A9-4843-AFF1-99DF7BB257C6}" dt="2020-09-26T16:21:09.288" v="2147" actId="20577"/>
+          <ac:spMkLst>
+            <pc:docMk/>
+            <pc:sldMk cId="41099643" sldId="285"/>
+            <ac:spMk id="6" creationId="{C5372D0A-E260-4F85-BA5F-02B997435337}"/>
+          </ac:spMkLst>
+        </pc:spChg>
+        <pc:spChg chg="mod">
+          <ac:chgData name="Adam Arkley" userId="d399d8a812f0f754" providerId="LiveId" clId="{E93054AD-10A9-4843-AFF1-99DF7BB257C6}" dt="2020-09-26T16:22:00.483" v="2517" actId="20577"/>
+          <ac:spMkLst>
+            <pc:docMk/>
+            <pc:sldMk cId="41099643" sldId="285"/>
+            <ac:spMk id="7" creationId="{81C08BC2-19A8-464B-A2C7-FE134A960E49}"/>
+          </ac:spMkLst>
+        </pc:spChg>
+        <pc:graphicFrameChg chg="add mod modGraphic">
+          <ac:chgData name="Adam Arkley" userId="d399d8a812f0f754" providerId="LiveId" clId="{E93054AD-10A9-4843-AFF1-99DF7BB257C6}" dt="2020-09-26T16:23:52.736" v="2639" actId="1076"/>
+          <ac:graphicFrameMkLst>
+            <pc:docMk/>
+            <pc:sldMk cId="41099643" sldId="285"/>
+            <ac:graphicFrameMk id="2" creationId="{4F625300-029E-4D4D-A08F-445DE3795F69}"/>
+          </ac:graphicFrameMkLst>
+        </pc:graphicFrameChg>
+      </pc:sldChg>
+      <pc:sldChg chg="modSp add mod ord">
+        <pc:chgData name="Adam Arkley" userId="d399d8a812f0f754" providerId="LiveId" clId="{E93054AD-10A9-4843-AFF1-99DF7BB257C6}" dt="2020-09-26T16:29:27.551" v="3670" actId="20577"/>
+        <pc:sldMkLst>
+          <pc:docMk/>
+          <pc:sldMk cId="2213527629" sldId="286"/>
+        </pc:sldMkLst>
+        <pc:spChg chg="mod">
+          <ac:chgData name="Adam Arkley" userId="d399d8a812f0f754" providerId="LiveId" clId="{E93054AD-10A9-4843-AFF1-99DF7BB257C6}" dt="2020-09-26T16:26:45.663" v="3096" actId="20577"/>
+          <ac:spMkLst>
+            <pc:docMk/>
+            <pc:sldMk cId="2213527629" sldId="286"/>
+            <ac:spMk id="6" creationId="{C5372D0A-E260-4F85-BA5F-02B997435337}"/>
+          </ac:spMkLst>
+        </pc:spChg>
+        <pc:spChg chg="mod">
+          <ac:chgData name="Adam Arkley" userId="d399d8a812f0f754" providerId="LiveId" clId="{E93054AD-10A9-4843-AFF1-99DF7BB257C6}" dt="2020-09-26T16:29:27.551" v="3670" actId="20577"/>
+          <ac:spMkLst>
+            <pc:docMk/>
+            <pc:sldMk cId="2213527629" sldId="286"/>
+            <ac:spMk id="7" creationId="{81C08BC2-19A8-464B-A2C7-FE134A960E49}"/>
+          </ac:spMkLst>
+        </pc:spChg>
+      </pc:sldChg>
+      <pc:sldChg chg="modSp add mod ord">
+        <pc:chgData name="Adam Arkley" userId="d399d8a812f0f754" providerId="LiveId" clId="{E93054AD-10A9-4843-AFF1-99DF7BB257C6}" dt="2020-09-26T16:33:54.715" v="3751" actId="20577"/>
+        <pc:sldMkLst>
+          <pc:docMk/>
+          <pc:sldMk cId="1966687124" sldId="287"/>
+        </pc:sldMkLst>
+        <pc:spChg chg="mod">
+          <ac:chgData name="Adam Arkley" userId="d399d8a812f0f754" providerId="LiveId" clId="{E93054AD-10A9-4843-AFF1-99DF7BB257C6}" dt="2020-09-26T16:30:52.926" v="3683" actId="20577"/>
+          <ac:spMkLst>
+            <pc:docMk/>
+            <pc:sldMk cId="1966687124" sldId="287"/>
+            <ac:spMk id="7" creationId="{264D352A-6490-4480-892C-323D5009DE9E}"/>
+          </ac:spMkLst>
+        </pc:spChg>
+        <pc:spChg chg="mod">
+          <ac:chgData name="Adam Arkley" userId="d399d8a812f0f754" providerId="LiveId" clId="{E93054AD-10A9-4843-AFF1-99DF7BB257C6}" dt="2020-09-26T16:33:54.715" v="3751" actId="20577"/>
+          <ac:spMkLst>
+            <pc:docMk/>
+            <pc:sldMk cId="1966687124" sldId="287"/>
+            <ac:spMk id="8" creationId="{BE0E3DF2-7D61-4E65-B9C8-8C8786AC82BB}"/>
+          </ac:spMkLst>
+        </pc:spChg>
+      </pc:sldChg>
+      <pc:sldChg chg="modSp add mod ord">
+        <pc:chgData name="Adam Arkley" userId="d399d8a812f0f754" providerId="LiveId" clId="{E93054AD-10A9-4843-AFF1-99DF7BB257C6}" dt="2020-09-26T16:46:33.777" v="4813" actId="20577"/>
+        <pc:sldMkLst>
+          <pc:docMk/>
+          <pc:sldMk cId="424534578" sldId="288"/>
+        </pc:sldMkLst>
+        <pc:spChg chg="mod">
+          <ac:chgData name="Adam Arkley" userId="d399d8a812f0f754" providerId="LiveId" clId="{E93054AD-10A9-4843-AFF1-99DF7BB257C6}" dt="2020-09-26T16:45:46.271" v="4560" actId="20577"/>
+          <ac:spMkLst>
+            <pc:docMk/>
+            <pc:sldMk cId="424534578" sldId="288"/>
+            <ac:spMk id="6" creationId="{C5372D0A-E260-4F85-BA5F-02B997435337}"/>
+          </ac:spMkLst>
+        </pc:spChg>
+        <pc:spChg chg="mod">
+          <ac:chgData name="Adam Arkley" userId="d399d8a812f0f754" providerId="LiveId" clId="{E93054AD-10A9-4843-AFF1-99DF7BB257C6}" dt="2020-09-26T16:46:33.777" v="4813" actId="20577"/>
+          <ac:spMkLst>
+            <pc:docMk/>
+            <pc:sldMk cId="424534578" sldId="288"/>
+            <ac:spMk id="7" creationId="{81C08BC2-19A8-464B-A2C7-FE134A960E49}"/>
+          </ac:spMkLst>
+        </pc:spChg>
+      </pc:sldChg>
+      <pc:sldChg chg="modSp add mod ord">
+        <pc:chgData name="Adam Arkley" userId="d399d8a812f0f754" providerId="LiveId" clId="{E93054AD-10A9-4843-AFF1-99DF7BB257C6}" dt="2020-09-26T16:45:35.606" v="4523"/>
+        <pc:sldMkLst>
+          <pc:docMk/>
+          <pc:sldMk cId="3942793224" sldId="289"/>
+        </pc:sldMkLst>
+        <pc:spChg chg="mod">
+          <ac:chgData name="Adam Arkley" userId="d399d8a812f0f754" providerId="LiveId" clId="{E93054AD-10A9-4843-AFF1-99DF7BB257C6}" dt="2020-09-26T16:45:34.612" v="4521"/>
+          <ac:spMkLst>
+            <pc:docMk/>
+            <pc:sldMk cId="3942793224" sldId="289"/>
+            <ac:spMk id="7" creationId="{81C08BC2-19A8-464B-A2C7-FE134A960E49}"/>
+          </ac:spMkLst>
+        </pc:spChg>
+      </pc:sldChg>
+      <pc:sldChg chg="addSp delSp modSp add mod">
+        <pc:chgData name="Adam Arkley" userId="d399d8a812f0f754" providerId="LiveId" clId="{E93054AD-10A9-4843-AFF1-99DF7BB257C6}" dt="2020-09-26T16:54:09.396" v="5354" actId="255"/>
+        <pc:sldMkLst>
+          <pc:docMk/>
+          <pc:sldMk cId="1298131675" sldId="290"/>
+        </pc:sldMkLst>
+        <pc:spChg chg="mod">
+          <ac:chgData name="Adam Arkley" userId="d399d8a812f0f754" providerId="LiveId" clId="{E93054AD-10A9-4843-AFF1-99DF7BB257C6}" dt="2020-09-26T16:46:55.970" v="4821" actId="20577"/>
+          <ac:spMkLst>
+            <pc:docMk/>
+            <pc:sldMk cId="1298131675" sldId="290"/>
+            <ac:spMk id="6" creationId="{C5372D0A-E260-4F85-BA5F-02B997435337}"/>
+          </ac:spMkLst>
+        </pc:spChg>
+        <pc:spChg chg="mod">
+          <ac:chgData name="Adam Arkley" userId="d399d8a812f0f754" providerId="LiveId" clId="{E93054AD-10A9-4843-AFF1-99DF7BB257C6}" dt="2020-09-26T16:54:09.396" v="5354" actId="255"/>
+          <ac:spMkLst>
+            <pc:docMk/>
+            <pc:sldMk cId="1298131675" sldId="290"/>
+            <ac:spMk id="7" creationId="{81C08BC2-19A8-464B-A2C7-FE134A960E49}"/>
+          </ac:spMkLst>
+        </pc:spChg>
+        <pc:picChg chg="add del mod">
+          <ac:chgData name="Adam Arkley" userId="d399d8a812f0f754" providerId="LiveId" clId="{E93054AD-10A9-4843-AFF1-99DF7BB257C6}" dt="2020-09-26T16:52:16.819" v="5093" actId="21"/>
+          <ac:picMkLst>
+            <pc:docMk/>
+            <pc:sldMk cId="1298131675" sldId="290"/>
+            <ac:picMk id="3" creationId="{9E4A8263-DA0D-4BED-8E02-E63E61F018C9}"/>
+          </ac:picMkLst>
+        </pc:picChg>
+        <pc:picChg chg="add mod">
+          <ac:chgData name="Adam Arkley" userId="d399d8a812f0f754" providerId="LiveId" clId="{E93054AD-10A9-4843-AFF1-99DF7BB257C6}" dt="2020-09-26T16:52:35.673" v="5098" actId="1076"/>
+          <ac:picMkLst>
+            <pc:docMk/>
+            <pc:sldMk cId="1298131675" sldId="290"/>
+            <ac:picMk id="5" creationId="{0514DE11-F2CE-45C7-BF35-1E56DA6C7284}"/>
+          </ac:picMkLst>
+        </pc:picChg>
+      </pc:sldChg>
+      <pc:sldChg chg="modSp add mod ord">
+        <pc:chgData name="Adam Arkley" userId="d399d8a812f0f754" providerId="LiveId" clId="{E93054AD-10A9-4843-AFF1-99DF7BB257C6}" dt="2020-09-26T16:57:55.902" v="6047" actId="20577"/>
+        <pc:sldMkLst>
+          <pc:docMk/>
+          <pc:sldMk cId="1126652675" sldId="291"/>
+        </pc:sldMkLst>
+        <pc:spChg chg="mod">
+          <ac:chgData name="Adam Arkley" userId="d399d8a812f0f754" providerId="LiveId" clId="{E93054AD-10A9-4843-AFF1-99DF7BB257C6}" dt="2020-09-26T16:55:37.417" v="5364" actId="20577"/>
+          <ac:spMkLst>
+            <pc:docMk/>
+            <pc:sldMk cId="1126652675" sldId="291"/>
+            <ac:spMk id="6" creationId="{C5372D0A-E260-4F85-BA5F-02B997435337}"/>
+          </ac:spMkLst>
+        </pc:spChg>
+        <pc:spChg chg="mod">
+          <ac:chgData name="Adam Arkley" userId="d399d8a812f0f754" providerId="LiveId" clId="{E93054AD-10A9-4843-AFF1-99DF7BB257C6}" dt="2020-09-26T16:57:55.902" v="6047" actId="20577"/>
+          <ac:spMkLst>
+            <pc:docMk/>
+            <pc:sldMk cId="1126652675" sldId="291"/>
+            <ac:spMk id="7" creationId="{81C08BC2-19A8-464B-A2C7-FE134A960E49}"/>
+          </ac:spMkLst>
+        </pc:spChg>
+      </pc:sldChg>
+      <pc:sldChg chg="modSp add mod ord">
+        <pc:chgData name="Adam Arkley" userId="d399d8a812f0f754" providerId="LiveId" clId="{E93054AD-10A9-4843-AFF1-99DF7BB257C6}" dt="2020-09-26T16:58:20.312" v="6103" actId="20577"/>
+        <pc:sldMkLst>
+          <pc:docMk/>
+          <pc:sldMk cId="4159823134" sldId="292"/>
+        </pc:sldMkLst>
+        <pc:spChg chg="mod">
+          <ac:chgData name="Adam Arkley" userId="d399d8a812f0f754" providerId="LiveId" clId="{E93054AD-10A9-4843-AFF1-99DF7BB257C6}" dt="2020-09-26T16:58:15.767" v="6078" actId="20577"/>
+          <ac:spMkLst>
+            <pc:docMk/>
+            <pc:sldMk cId="4159823134" sldId="292"/>
+            <ac:spMk id="7" creationId="{264D352A-6490-4480-892C-323D5009DE9E}"/>
+          </ac:spMkLst>
+        </pc:spChg>
+        <pc:spChg chg="mod">
+          <ac:chgData name="Adam Arkley" userId="d399d8a812f0f754" providerId="LiveId" clId="{E93054AD-10A9-4843-AFF1-99DF7BB257C6}" dt="2020-09-26T16:58:20.312" v="6103" actId="20577"/>
+          <ac:spMkLst>
+            <pc:docMk/>
+            <pc:sldMk cId="4159823134" sldId="292"/>
+            <ac:spMk id="8" creationId="{BE0E3DF2-7D61-4E65-B9C8-8C8786AC82BB}"/>
+          </ac:spMkLst>
+        </pc:spChg>
+      </pc:sldChg>
+      <pc:sldChg chg="modSp add mod ord">
+        <pc:chgData name="Adam Arkley" userId="d399d8a812f0f754" providerId="LiveId" clId="{E93054AD-10A9-4843-AFF1-99DF7BB257C6}" dt="2020-09-26T17:01:53.160" v="7343" actId="20577"/>
+        <pc:sldMkLst>
+          <pc:docMk/>
+          <pc:sldMk cId="1706075808" sldId="293"/>
+        </pc:sldMkLst>
+        <pc:spChg chg="mod">
+          <ac:chgData name="Adam Arkley" userId="d399d8a812f0f754" providerId="LiveId" clId="{E93054AD-10A9-4843-AFF1-99DF7BB257C6}" dt="2020-09-26T17:01:11.011" v="6982" actId="20577"/>
+          <ac:spMkLst>
+            <pc:docMk/>
+            <pc:sldMk cId="1706075808" sldId="293"/>
+            <ac:spMk id="6" creationId="{C5372D0A-E260-4F85-BA5F-02B997435337}"/>
+          </ac:spMkLst>
+        </pc:spChg>
+        <pc:spChg chg="mod">
+          <ac:chgData name="Adam Arkley" userId="d399d8a812f0f754" providerId="LiveId" clId="{E93054AD-10A9-4843-AFF1-99DF7BB257C6}" dt="2020-09-26T17:01:53.160" v="7343" actId="20577"/>
+          <ac:spMkLst>
+            <pc:docMk/>
+            <pc:sldMk cId="1706075808" sldId="293"/>
+            <ac:spMk id="7" creationId="{81C08BC2-19A8-464B-A2C7-FE134A960E49}"/>
+          </ac:spMkLst>
+        </pc:spChg>
+      </pc:sldChg>
+      <pc:sldChg chg="addSp modSp add mod">
+        <pc:chgData name="Adam Arkley" userId="d399d8a812f0f754" providerId="LiveId" clId="{E93054AD-10A9-4843-AFF1-99DF7BB257C6}" dt="2020-09-26T17:00:21.291" v="6583" actId="255"/>
+        <pc:sldMkLst>
+          <pc:docMk/>
+          <pc:sldMk cId="2356349418" sldId="294"/>
+        </pc:sldMkLst>
+        <pc:spChg chg="mod">
+          <ac:chgData name="Adam Arkley" userId="d399d8a812f0f754" providerId="LiveId" clId="{E93054AD-10A9-4843-AFF1-99DF7BB257C6}" dt="2020-09-26T17:00:21.291" v="6583" actId="255"/>
+          <ac:spMkLst>
+            <pc:docMk/>
+            <pc:sldMk cId="2356349418" sldId="294"/>
+            <ac:spMk id="7" creationId="{81C08BC2-19A8-464B-A2C7-FE134A960E49}"/>
+          </ac:spMkLst>
+        </pc:spChg>
+        <pc:picChg chg="add mod">
+          <ac:chgData name="Adam Arkley" userId="d399d8a812f0f754" providerId="LiveId" clId="{E93054AD-10A9-4843-AFF1-99DF7BB257C6}" dt="2020-09-26T16:59:52.519" v="6516" actId="1076"/>
+          <ac:picMkLst>
+            <pc:docMk/>
+            <pc:sldMk cId="2356349418" sldId="294"/>
+            <ac:picMk id="3" creationId="{9EADA46F-A349-409E-BEC5-E81117F26BB3}"/>
+          </ac:picMkLst>
+        </pc:picChg>
+      </pc:sldChg>
+      <pc:sldChg chg="modSp add mod ord">
+        <pc:chgData name="Adam Arkley" userId="d399d8a812f0f754" providerId="LiveId" clId="{E93054AD-10A9-4843-AFF1-99DF7BB257C6}" dt="2020-09-26T17:01:05.887" v="6957" actId="20577"/>
+        <pc:sldMkLst>
+          <pc:docMk/>
+          <pc:sldMk cId="769937497" sldId="295"/>
+        </pc:sldMkLst>
+        <pc:spChg chg="mod">
+          <ac:chgData name="Adam Arkley" userId="d399d8a812f0f754" providerId="LiveId" clId="{E93054AD-10A9-4843-AFF1-99DF7BB257C6}" dt="2020-09-26T17:01:05.887" v="6957" actId="20577"/>
+          <ac:spMkLst>
+            <pc:docMk/>
+            <pc:sldMk cId="769937497" sldId="295"/>
+            <ac:spMk id="7" creationId="{81C08BC2-19A8-464B-A2C7-FE134A960E49}"/>
+          </ac:spMkLst>
+        </pc:spChg>
+      </pc:sldChg>
+    </pc:docChg>
+  </pc:docChgLst>
 </pc:chgInfo>
 </file>
 
@@ -9818,7 +10291,7 @@
           <a:p>
             <a:r>
               <a:rPr lang="en-GB" sz="1200" dirty="0"/>
-              <a:t>?? Sep 2020</a:t>
+              <a:t>26 Sep 2020</a:t>
             </a:r>
           </a:p>
         </p:txBody>
@@ -9853,7 +10326,7 @@
           <a:p>
             <a:r>
               <a:rPr lang="en-GB" sz="1200" dirty="0"/>
-              <a:t>?? Mar 2021</a:t>
+              <a:t>26 Mar 2021</a:t>
             </a:r>
           </a:p>
         </p:txBody>
@@ -11447,16 +11920,6 @@
           </a:p>
           <a:p>
             <a:r>
-              <a:rPr lang="en-GB" sz="2600" dirty="0" err="1"/>
-              <a:t>Rejoining</a:t>
-            </a:r>
-            <a:r>
-              <a:rPr lang="en-GB" sz="2600" dirty="0"/>
-              <a:t> the Circuit</a:t>
-            </a:r>
-          </a:p>
-          <a:p>
-            <a:r>
               <a:rPr lang="en-GB" sz="2600" dirty="0"/>
               <a:t>Landing</a:t>
             </a:r>
@@ -12165,12 +12628,28 @@
             <p:ph idx="1"/>
           </p:nvPr>
         </p:nvSpPr>
-        <p:spPr/>
+        <p:spPr>
+          <a:xfrm>
+            <a:off x="755576" y="1628801"/>
+            <a:ext cx="3888432" cy="4351338"/>
+          </a:xfrm>
+        </p:spPr>
         <p:txBody>
           <a:bodyPr/>
           <a:lstStyle/>
           <a:p>
-            <a:endParaRPr lang="en-GB" sz="2400" dirty="0"/>
+            <a:r>
+              <a:rPr lang="en-GB" sz="2400" dirty="0"/>
+              <a:t>Turns are typically measured through ‘angle of bank’, with various pre-defined angles depicted on the HUD. In this image, the red dot denotes 5 degrees </a:t>
+            </a:r>
+            <a:r>
+              <a:rPr lang="en-GB" sz="2400" dirty="0" err="1"/>
+              <a:t>AoB</a:t>
+            </a:r>
+            <a:r>
+              <a:rPr lang="en-GB" sz="2400" dirty="0"/>
+              <a:t>, the orange 10 degrees, the yellow 30 degrees and the blue 45. Most turns outside of combat situations are conducted at 30 degrees angle of bank.</a:t>
+            </a:r>
           </a:p>
         </p:txBody>
       </p:sp>
@@ -12209,10 +12688,1048 @@
           </a:p>
         </p:txBody>
       </p:sp>
+      <p:pic>
+        <p:nvPicPr>
+          <p:cNvPr id="3" name="Picture 2">
+            <a:extLst>
+              <a:ext uri="{FF2B5EF4-FFF2-40B4-BE49-F238E27FC236}">
+                <a16:creationId xmlns:a16="http://schemas.microsoft.com/office/drawing/2014/main" id="{D9F2B9E1-D7E9-4CCE-AAD9-EEA633C47420}"/>
+              </a:ext>
+            </a:extLst>
+          </p:cNvPr>
+          <p:cNvPicPr>
+            <a:picLocks noChangeAspect="1"/>
+          </p:cNvPicPr>
+          <p:nvPr/>
+        </p:nvPicPr>
+        <p:blipFill>
+          <a:blip r:embed="rId2"/>
+          <a:stretch>
+            <a:fillRect/>
+          </a:stretch>
+        </p:blipFill>
+        <p:spPr>
+          <a:xfrm>
+            <a:off x="4889562" y="1308070"/>
+            <a:ext cx="3752714" cy="4984949"/>
+          </a:xfrm>
+          <a:prstGeom prst="rect">
+            <a:avLst/>
+          </a:prstGeom>
+        </p:spPr>
+      </p:pic>
     </p:spTree>
     <p:extLst>
       <p:ext uri="{BB962C8B-B14F-4D97-AF65-F5344CB8AC3E}">
         <p14:creationId xmlns:p14="http://schemas.microsoft.com/office/powerpoint/2010/main" val="842297462"/>
+      </p:ext>
+    </p:extLst>
+  </p:cSld>
+  <p:clrMapOvr>
+    <a:masterClrMapping/>
+  </p:clrMapOvr>
+</p:sld>
+</file>
+
+<file path=ppt/slides/slide25.xml><?xml version="1.0" encoding="utf-8"?>
+<p:sld xmlns:a="http://schemas.openxmlformats.org/drawingml/2006/main" xmlns:r="http://schemas.openxmlformats.org/officeDocument/2006/relationships" xmlns:p="http://schemas.openxmlformats.org/presentationml/2006/main">
+  <p:cSld>
+    <p:spTree>
+      <p:nvGrpSpPr>
+        <p:cNvPr id="1" name=""/>
+        <p:cNvGrpSpPr/>
+        <p:nvPr/>
+      </p:nvGrpSpPr>
+      <p:grpSpPr>
+        <a:xfrm>
+          <a:off x="0" y="0"/>
+          <a:ext cx="0" cy="0"/>
+          <a:chOff x="0" y="0"/>
+          <a:chExt cx="0" cy="0"/>
+        </a:xfrm>
+      </p:grpSpPr>
+      <p:sp>
+        <p:nvSpPr>
+          <p:cNvPr id="6" name="Title 5">
+            <a:extLst>
+              <a:ext uri="{FF2B5EF4-FFF2-40B4-BE49-F238E27FC236}">
+                <a16:creationId xmlns:a16="http://schemas.microsoft.com/office/drawing/2014/main" id="{C5372D0A-E260-4F85-BA5F-02B997435337}"/>
+              </a:ext>
+            </a:extLst>
+          </p:cNvPr>
+          <p:cNvSpPr>
+            <a:spLocks noGrp="1"/>
+          </p:cNvSpPr>
+          <p:nvPr>
+            <p:ph type="title"/>
+          </p:nvPr>
+        </p:nvSpPr>
+        <p:spPr/>
+        <p:txBody>
+          <a:bodyPr/>
+          <a:lstStyle/>
+          <a:p>
+            <a:r>
+              <a:rPr lang="en-GB" sz="3700" dirty="0"/>
+              <a:t>Turns</a:t>
+            </a:r>
+          </a:p>
+        </p:txBody>
+      </p:sp>
+      <p:sp>
+        <p:nvSpPr>
+          <p:cNvPr id="7" name="Content Placeholder 6">
+            <a:extLst>
+              <a:ext uri="{FF2B5EF4-FFF2-40B4-BE49-F238E27FC236}">
+                <a16:creationId xmlns:a16="http://schemas.microsoft.com/office/drawing/2014/main" id="{81C08BC2-19A8-464B-A2C7-FE134A960E49}"/>
+              </a:ext>
+            </a:extLst>
+          </p:cNvPr>
+          <p:cNvSpPr>
+            <a:spLocks noGrp="1"/>
+          </p:cNvSpPr>
+          <p:nvPr>
+            <p:ph idx="1"/>
+          </p:nvPr>
+        </p:nvSpPr>
+        <p:spPr>
+          <a:xfrm>
+            <a:off x="755576" y="1628801"/>
+            <a:ext cx="4176464" cy="4351338"/>
+          </a:xfrm>
+        </p:spPr>
+        <p:txBody>
+          <a:bodyPr/>
+          <a:lstStyle/>
+          <a:p>
+            <a:r>
+              <a:rPr lang="en-GB" sz="2400" dirty="0"/>
+              <a:t>When commencing the turn, the lift generated on each wing becomes asymmetric and there is a reduction in total lift. Accordingly, the nose of the aircraft drops slightly to maintain speed. </a:t>
+            </a:r>
+          </a:p>
+          <a:p>
+            <a:r>
+              <a:rPr lang="en-GB" sz="2400" dirty="0"/>
+              <a:t>Accordingly, slight rearward pressure is required to maintain level flight in turns. The steeper the turn, the greater the aft pressure required.</a:t>
+            </a:r>
+          </a:p>
+        </p:txBody>
+      </p:sp>
+      <p:sp>
+        <p:nvSpPr>
+          <p:cNvPr id="9" name="TextBox 8">
+            <a:extLst>
+              <a:ext uri="{FF2B5EF4-FFF2-40B4-BE49-F238E27FC236}">
+                <a16:creationId xmlns:a16="http://schemas.microsoft.com/office/drawing/2014/main" id="{2D93FB91-1CCB-4F40-8110-791759806717}"/>
+              </a:ext>
+            </a:extLst>
+          </p:cNvPr>
+          <p:cNvSpPr txBox="1"/>
+          <p:nvPr/>
+        </p:nvSpPr>
+        <p:spPr>
+          <a:xfrm>
+            <a:off x="971600" y="6453336"/>
+            <a:ext cx="1440160" cy="276999"/>
+          </a:xfrm>
+          <a:prstGeom prst="rect">
+            <a:avLst/>
+          </a:prstGeom>
+          <a:noFill/>
+        </p:spPr>
+        <p:txBody>
+          <a:bodyPr wrap="square" rtlCol="0">
+            <a:spAutoFit/>
+          </a:bodyPr>
+          <a:lstStyle/>
+          <a:p>
+            <a:r>
+              <a:rPr lang="en-GB" sz="1200" dirty="0"/>
+              <a:t>494(P)-BAS-03</a:t>
+            </a:r>
+          </a:p>
+        </p:txBody>
+      </p:sp>
+      <p:pic>
+        <p:nvPicPr>
+          <p:cNvPr id="3" name="Picture 2">
+            <a:extLst>
+              <a:ext uri="{FF2B5EF4-FFF2-40B4-BE49-F238E27FC236}">
+                <a16:creationId xmlns:a16="http://schemas.microsoft.com/office/drawing/2014/main" id="{98E18573-2B0F-4E91-BC70-DF42EFD70566}"/>
+              </a:ext>
+            </a:extLst>
+          </p:cNvPr>
+          <p:cNvPicPr>
+            <a:picLocks noChangeAspect="1"/>
+          </p:cNvPicPr>
+          <p:nvPr/>
+        </p:nvPicPr>
+        <p:blipFill>
+          <a:blip r:embed="rId2"/>
+          <a:stretch>
+            <a:fillRect/>
+          </a:stretch>
+        </p:blipFill>
+        <p:spPr>
+          <a:xfrm>
+            <a:off x="5312406" y="1291279"/>
+            <a:ext cx="3508066" cy="4764288"/>
+          </a:xfrm>
+          <a:prstGeom prst="rect">
+            <a:avLst/>
+          </a:prstGeom>
+        </p:spPr>
+      </p:pic>
+    </p:spTree>
+    <p:extLst>
+      <p:ext uri="{BB962C8B-B14F-4D97-AF65-F5344CB8AC3E}">
+        <p14:creationId xmlns:p14="http://schemas.microsoft.com/office/powerpoint/2010/main" val="1894822069"/>
+      </p:ext>
+    </p:extLst>
+  </p:cSld>
+  <p:clrMapOvr>
+    <a:masterClrMapping/>
+  </p:clrMapOvr>
+</p:sld>
+</file>
+
+<file path=ppt/slides/slide26.xml><?xml version="1.0" encoding="utf-8"?>
+<p:sld xmlns:a="http://schemas.openxmlformats.org/drawingml/2006/main" xmlns:r="http://schemas.openxmlformats.org/officeDocument/2006/relationships" xmlns:p="http://schemas.openxmlformats.org/presentationml/2006/main">
+  <p:cSld>
+    <p:spTree>
+      <p:nvGrpSpPr>
+        <p:cNvPr id="1" name=""/>
+        <p:cNvGrpSpPr/>
+        <p:nvPr/>
+      </p:nvGrpSpPr>
+      <p:grpSpPr>
+        <a:xfrm>
+          <a:off x="0" y="0"/>
+          <a:ext cx="0" cy="0"/>
+          <a:chOff x="0" y="0"/>
+          <a:chExt cx="0" cy="0"/>
+        </a:xfrm>
+      </p:grpSpPr>
+      <p:sp>
+        <p:nvSpPr>
+          <p:cNvPr id="6" name="Title 5">
+            <a:extLst>
+              <a:ext uri="{FF2B5EF4-FFF2-40B4-BE49-F238E27FC236}">
+                <a16:creationId xmlns:a16="http://schemas.microsoft.com/office/drawing/2014/main" id="{C5372D0A-E260-4F85-BA5F-02B997435337}"/>
+              </a:ext>
+            </a:extLst>
+          </p:cNvPr>
+          <p:cNvSpPr>
+            <a:spLocks noGrp="1"/>
+          </p:cNvSpPr>
+          <p:nvPr>
+            <p:ph type="title"/>
+          </p:nvPr>
+        </p:nvSpPr>
+        <p:spPr/>
+        <p:txBody>
+          <a:bodyPr/>
+          <a:lstStyle/>
+          <a:p>
+            <a:r>
+              <a:rPr lang="en-GB" sz="3700" dirty="0"/>
+              <a:t>Turns</a:t>
+            </a:r>
+          </a:p>
+        </p:txBody>
+      </p:sp>
+      <p:sp>
+        <p:nvSpPr>
+          <p:cNvPr id="7" name="Content Placeholder 6">
+            <a:extLst>
+              <a:ext uri="{FF2B5EF4-FFF2-40B4-BE49-F238E27FC236}">
+                <a16:creationId xmlns:a16="http://schemas.microsoft.com/office/drawing/2014/main" id="{81C08BC2-19A8-464B-A2C7-FE134A960E49}"/>
+              </a:ext>
+            </a:extLst>
+          </p:cNvPr>
+          <p:cNvSpPr>
+            <a:spLocks noGrp="1"/>
+          </p:cNvSpPr>
+          <p:nvPr>
+            <p:ph idx="1"/>
+          </p:nvPr>
+        </p:nvSpPr>
+        <p:spPr>
+          <a:xfrm>
+            <a:off x="755576" y="1628801"/>
+            <a:ext cx="4176464" cy="4351338"/>
+          </a:xfrm>
+        </p:spPr>
+        <p:txBody>
+          <a:bodyPr/>
+          <a:lstStyle/>
+          <a:p>
+            <a:r>
+              <a:rPr lang="en-GB" sz="2400" dirty="0"/>
+              <a:t>When commencing turns, the aircraft requires many control inputs to remain in coordinated flight. In this 45 degree </a:t>
+            </a:r>
+            <a:r>
+              <a:rPr lang="en-GB" sz="2400" dirty="0" err="1"/>
+              <a:t>AoB</a:t>
+            </a:r>
+            <a:r>
+              <a:rPr lang="en-GB" sz="2400" dirty="0"/>
+              <a:t> turn, the balance ball (at the bottom of the Standby Attitude Indicator under the right MFD) has drifted slightly to the left. To correct this, apply left rudder (‘step on the ball’).</a:t>
+            </a:r>
+          </a:p>
+        </p:txBody>
+      </p:sp>
+      <p:sp>
+        <p:nvSpPr>
+          <p:cNvPr id="9" name="TextBox 8">
+            <a:extLst>
+              <a:ext uri="{FF2B5EF4-FFF2-40B4-BE49-F238E27FC236}">
+                <a16:creationId xmlns:a16="http://schemas.microsoft.com/office/drawing/2014/main" id="{2D93FB91-1CCB-4F40-8110-791759806717}"/>
+              </a:ext>
+            </a:extLst>
+          </p:cNvPr>
+          <p:cNvSpPr txBox="1"/>
+          <p:nvPr/>
+        </p:nvSpPr>
+        <p:spPr>
+          <a:xfrm>
+            <a:off x="971600" y="6453336"/>
+            <a:ext cx="1440160" cy="276999"/>
+          </a:xfrm>
+          <a:prstGeom prst="rect">
+            <a:avLst/>
+          </a:prstGeom>
+          <a:noFill/>
+        </p:spPr>
+        <p:txBody>
+          <a:bodyPr wrap="square" rtlCol="0">
+            <a:spAutoFit/>
+          </a:bodyPr>
+          <a:lstStyle/>
+          <a:p>
+            <a:r>
+              <a:rPr lang="en-GB" sz="1200" dirty="0"/>
+              <a:t>494(P)-BAS-03</a:t>
+            </a:r>
+          </a:p>
+        </p:txBody>
+      </p:sp>
+      <p:pic>
+        <p:nvPicPr>
+          <p:cNvPr id="4" name="Picture 3">
+            <a:extLst>
+              <a:ext uri="{FF2B5EF4-FFF2-40B4-BE49-F238E27FC236}">
+                <a16:creationId xmlns:a16="http://schemas.microsoft.com/office/drawing/2014/main" id="{43970568-6A7E-4DAB-BDB0-3B04E33C477A}"/>
+              </a:ext>
+            </a:extLst>
+          </p:cNvPr>
+          <p:cNvPicPr>
+            <a:picLocks noChangeAspect="1"/>
+          </p:cNvPicPr>
+          <p:nvPr/>
+        </p:nvPicPr>
+        <p:blipFill>
+          <a:blip r:embed="rId2"/>
+          <a:stretch>
+            <a:fillRect/>
+          </a:stretch>
+        </p:blipFill>
+        <p:spPr>
+          <a:xfrm>
+            <a:off x="5026736" y="973846"/>
+            <a:ext cx="3807189" cy="5661248"/>
+          </a:xfrm>
+          <a:prstGeom prst="rect">
+            <a:avLst/>
+          </a:prstGeom>
+        </p:spPr>
+      </p:pic>
+    </p:spTree>
+    <p:extLst>
+      <p:ext uri="{BB962C8B-B14F-4D97-AF65-F5344CB8AC3E}">
+        <p14:creationId xmlns:p14="http://schemas.microsoft.com/office/powerpoint/2010/main" val="862832244"/>
+      </p:ext>
+    </p:extLst>
+  </p:cSld>
+  <p:clrMapOvr>
+    <a:masterClrMapping/>
+  </p:clrMapOvr>
+</p:sld>
+</file>
+
+<file path=ppt/slides/slide27.xml><?xml version="1.0" encoding="utf-8"?>
+<p:sld xmlns:a="http://schemas.openxmlformats.org/drawingml/2006/main" xmlns:r="http://schemas.openxmlformats.org/officeDocument/2006/relationships" xmlns:p="http://schemas.openxmlformats.org/presentationml/2006/main">
+  <p:cSld>
+    <p:spTree>
+      <p:nvGrpSpPr>
+        <p:cNvPr id="1" name=""/>
+        <p:cNvGrpSpPr/>
+        <p:nvPr/>
+      </p:nvGrpSpPr>
+      <p:grpSpPr>
+        <a:xfrm>
+          <a:off x="0" y="0"/>
+          <a:ext cx="0" cy="0"/>
+          <a:chOff x="0" y="0"/>
+          <a:chExt cx="0" cy="0"/>
+        </a:xfrm>
+      </p:grpSpPr>
+      <p:sp>
+        <p:nvSpPr>
+          <p:cNvPr id="6" name="Title 5">
+            <a:extLst>
+              <a:ext uri="{FF2B5EF4-FFF2-40B4-BE49-F238E27FC236}">
+                <a16:creationId xmlns:a16="http://schemas.microsoft.com/office/drawing/2014/main" id="{C5372D0A-E260-4F85-BA5F-02B997435337}"/>
+              </a:ext>
+            </a:extLst>
+          </p:cNvPr>
+          <p:cNvSpPr>
+            <a:spLocks noGrp="1"/>
+          </p:cNvSpPr>
+          <p:nvPr>
+            <p:ph type="title"/>
+          </p:nvPr>
+        </p:nvSpPr>
+        <p:spPr/>
+        <p:txBody>
+          <a:bodyPr/>
+          <a:lstStyle/>
+          <a:p>
+            <a:r>
+              <a:rPr lang="en-GB" sz="3700" dirty="0"/>
+              <a:t>Climbs</a:t>
+            </a:r>
+          </a:p>
+        </p:txBody>
+      </p:sp>
+      <p:sp>
+        <p:nvSpPr>
+          <p:cNvPr id="7" name="Content Placeholder 6">
+            <a:extLst>
+              <a:ext uri="{FF2B5EF4-FFF2-40B4-BE49-F238E27FC236}">
+                <a16:creationId xmlns:a16="http://schemas.microsoft.com/office/drawing/2014/main" id="{81C08BC2-19A8-464B-A2C7-FE134A960E49}"/>
+              </a:ext>
+            </a:extLst>
+          </p:cNvPr>
+          <p:cNvSpPr>
+            <a:spLocks noGrp="1"/>
+          </p:cNvSpPr>
+          <p:nvPr>
+            <p:ph idx="1"/>
+          </p:nvPr>
+        </p:nvSpPr>
+        <p:spPr/>
+        <p:txBody>
+          <a:bodyPr/>
+          <a:lstStyle/>
+          <a:p>
+            <a:r>
+              <a:rPr lang="en-GB" sz="2400" dirty="0"/>
+              <a:t>Climbs may be performed in a number of ways. Typically, a climb is performed at whatever rate allows a speed to be maintained.</a:t>
+            </a:r>
+          </a:p>
+          <a:p>
+            <a:r>
+              <a:rPr lang="en-GB" sz="2400" dirty="0"/>
+              <a:t>To climb, apply a slight increase in power as rearward pressure is gradually applied to the stick. If the speed begins to reduce but greater climb performance is required, apply more throttle until the speed stabilises, apply further rearward pressure and adjust.</a:t>
+            </a:r>
+          </a:p>
+          <a:p>
+            <a:r>
+              <a:rPr lang="en-GB" sz="2400" dirty="0"/>
+              <a:t>In some occasions, a desired speed and angle of pitch will be specified. In these circumstances, advance the throttles significantly, pull back to achieve the desired pitch and adjust the throttle to maintain the required speed.</a:t>
+            </a:r>
+          </a:p>
+        </p:txBody>
+      </p:sp>
+      <p:sp>
+        <p:nvSpPr>
+          <p:cNvPr id="9" name="TextBox 8">
+            <a:extLst>
+              <a:ext uri="{FF2B5EF4-FFF2-40B4-BE49-F238E27FC236}">
+                <a16:creationId xmlns:a16="http://schemas.microsoft.com/office/drawing/2014/main" id="{2D93FB91-1CCB-4F40-8110-791759806717}"/>
+              </a:ext>
+            </a:extLst>
+          </p:cNvPr>
+          <p:cNvSpPr txBox="1"/>
+          <p:nvPr/>
+        </p:nvSpPr>
+        <p:spPr>
+          <a:xfrm>
+            <a:off x="971600" y="6453336"/>
+            <a:ext cx="1440160" cy="276999"/>
+          </a:xfrm>
+          <a:prstGeom prst="rect">
+            <a:avLst/>
+          </a:prstGeom>
+          <a:noFill/>
+        </p:spPr>
+        <p:txBody>
+          <a:bodyPr wrap="square" rtlCol="0">
+            <a:spAutoFit/>
+          </a:bodyPr>
+          <a:lstStyle/>
+          <a:p>
+            <a:r>
+              <a:rPr lang="en-GB" sz="1200" dirty="0"/>
+              <a:t>494(P)-BAS-03</a:t>
+            </a:r>
+          </a:p>
+        </p:txBody>
+      </p:sp>
+    </p:spTree>
+    <p:extLst>
+      <p:ext uri="{BB962C8B-B14F-4D97-AF65-F5344CB8AC3E}">
+        <p14:creationId xmlns:p14="http://schemas.microsoft.com/office/powerpoint/2010/main" val="3477152732"/>
+      </p:ext>
+    </p:extLst>
+  </p:cSld>
+  <p:clrMapOvr>
+    <a:masterClrMapping/>
+  </p:clrMapOvr>
+</p:sld>
+</file>
+
+<file path=ppt/slides/slide28.xml><?xml version="1.0" encoding="utf-8"?>
+<p:sld xmlns:a="http://schemas.openxmlformats.org/drawingml/2006/main" xmlns:r="http://schemas.openxmlformats.org/officeDocument/2006/relationships" xmlns:p="http://schemas.openxmlformats.org/presentationml/2006/main">
+  <p:cSld>
+    <p:spTree>
+      <p:nvGrpSpPr>
+        <p:cNvPr id="1" name=""/>
+        <p:cNvGrpSpPr/>
+        <p:nvPr/>
+      </p:nvGrpSpPr>
+      <p:grpSpPr>
+        <a:xfrm>
+          <a:off x="0" y="0"/>
+          <a:ext cx="0" cy="0"/>
+          <a:chOff x="0" y="0"/>
+          <a:chExt cx="0" cy="0"/>
+        </a:xfrm>
+      </p:grpSpPr>
+      <p:sp>
+        <p:nvSpPr>
+          <p:cNvPr id="6" name="Title 5">
+            <a:extLst>
+              <a:ext uri="{FF2B5EF4-FFF2-40B4-BE49-F238E27FC236}">
+                <a16:creationId xmlns:a16="http://schemas.microsoft.com/office/drawing/2014/main" id="{C5372D0A-E260-4F85-BA5F-02B997435337}"/>
+              </a:ext>
+            </a:extLst>
+          </p:cNvPr>
+          <p:cNvSpPr>
+            <a:spLocks noGrp="1"/>
+          </p:cNvSpPr>
+          <p:nvPr>
+            <p:ph type="title"/>
+          </p:nvPr>
+        </p:nvSpPr>
+        <p:spPr/>
+        <p:txBody>
+          <a:bodyPr/>
+          <a:lstStyle/>
+          <a:p>
+            <a:r>
+              <a:rPr lang="en-GB" sz="3700" dirty="0"/>
+              <a:t>Descents</a:t>
+            </a:r>
+          </a:p>
+        </p:txBody>
+      </p:sp>
+      <p:sp>
+        <p:nvSpPr>
+          <p:cNvPr id="7" name="Content Placeholder 6">
+            <a:extLst>
+              <a:ext uri="{FF2B5EF4-FFF2-40B4-BE49-F238E27FC236}">
+                <a16:creationId xmlns:a16="http://schemas.microsoft.com/office/drawing/2014/main" id="{81C08BC2-19A8-464B-A2C7-FE134A960E49}"/>
+              </a:ext>
+            </a:extLst>
+          </p:cNvPr>
+          <p:cNvSpPr>
+            <a:spLocks noGrp="1"/>
+          </p:cNvSpPr>
+          <p:nvPr>
+            <p:ph idx="1"/>
+          </p:nvPr>
+        </p:nvSpPr>
+        <p:spPr/>
+        <p:txBody>
+          <a:bodyPr/>
+          <a:lstStyle/>
+          <a:p>
+            <a:r>
+              <a:rPr lang="en-GB" sz="2400" dirty="0"/>
+              <a:t>To descend the aircraft and maintain coordinated flight, forward pressure should be applied to the stick to ‘drop’ the nose of the aircraft.</a:t>
+            </a:r>
+          </a:p>
+          <a:p>
+            <a:r>
+              <a:rPr lang="en-GB" sz="2400" dirty="0"/>
+              <a:t>As gravity will help to accelerate the aircraft, the throttle should be reduced to control the speed of the aircraft.</a:t>
+            </a:r>
+          </a:p>
+          <a:p>
+            <a:r>
+              <a:rPr lang="en-GB" sz="2400" dirty="0"/>
+              <a:t>The use of the </a:t>
+            </a:r>
+            <a:r>
+              <a:rPr lang="en-GB" sz="2400" dirty="0" err="1"/>
+              <a:t>speedbrake</a:t>
+            </a:r>
+            <a:r>
+              <a:rPr lang="en-GB" sz="2400" dirty="0"/>
+              <a:t> to reduce or maintain speed should be avoided wherever possible.</a:t>
+            </a:r>
+          </a:p>
+        </p:txBody>
+      </p:sp>
+      <p:sp>
+        <p:nvSpPr>
+          <p:cNvPr id="9" name="TextBox 8">
+            <a:extLst>
+              <a:ext uri="{FF2B5EF4-FFF2-40B4-BE49-F238E27FC236}">
+                <a16:creationId xmlns:a16="http://schemas.microsoft.com/office/drawing/2014/main" id="{2D93FB91-1CCB-4F40-8110-791759806717}"/>
+              </a:ext>
+            </a:extLst>
+          </p:cNvPr>
+          <p:cNvSpPr txBox="1"/>
+          <p:nvPr/>
+        </p:nvSpPr>
+        <p:spPr>
+          <a:xfrm>
+            <a:off x="971600" y="6453336"/>
+            <a:ext cx="1440160" cy="276999"/>
+          </a:xfrm>
+          <a:prstGeom prst="rect">
+            <a:avLst/>
+          </a:prstGeom>
+          <a:noFill/>
+        </p:spPr>
+        <p:txBody>
+          <a:bodyPr wrap="square" rtlCol="0">
+            <a:spAutoFit/>
+          </a:bodyPr>
+          <a:lstStyle/>
+          <a:p>
+            <a:r>
+              <a:rPr lang="en-GB" sz="1200" dirty="0"/>
+              <a:t>494(P)-BAS-03</a:t>
+            </a:r>
+          </a:p>
+        </p:txBody>
+      </p:sp>
+    </p:spTree>
+    <p:extLst>
+      <p:ext uri="{BB962C8B-B14F-4D97-AF65-F5344CB8AC3E}">
+        <p14:creationId xmlns:p14="http://schemas.microsoft.com/office/powerpoint/2010/main" val="383464206"/>
+      </p:ext>
+    </p:extLst>
+  </p:cSld>
+  <p:clrMapOvr>
+    <a:masterClrMapping/>
+  </p:clrMapOvr>
+</p:sld>
+</file>
+
+<file path=ppt/slides/slide29.xml><?xml version="1.0" encoding="utf-8"?>
+<p:sld xmlns:a="http://schemas.openxmlformats.org/drawingml/2006/main" xmlns:r="http://schemas.openxmlformats.org/officeDocument/2006/relationships" xmlns:p="http://schemas.openxmlformats.org/presentationml/2006/main">
+  <p:cSld>
+    <p:spTree>
+      <p:nvGrpSpPr>
+        <p:cNvPr id="1" name=""/>
+        <p:cNvGrpSpPr/>
+        <p:nvPr/>
+      </p:nvGrpSpPr>
+      <p:grpSpPr>
+        <a:xfrm>
+          <a:off x="0" y="0"/>
+          <a:ext cx="0" cy="0"/>
+          <a:chOff x="0" y="0"/>
+          <a:chExt cx="0" cy="0"/>
+        </a:xfrm>
+      </p:grpSpPr>
+      <p:sp>
+        <p:nvSpPr>
+          <p:cNvPr id="6" name="Title 5">
+            <a:extLst>
+              <a:ext uri="{FF2B5EF4-FFF2-40B4-BE49-F238E27FC236}">
+                <a16:creationId xmlns:a16="http://schemas.microsoft.com/office/drawing/2014/main" id="{C5372D0A-E260-4F85-BA5F-02B997435337}"/>
+              </a:ext>
+            </a:extLst>
+          </p:cNvPr>
+          <p:cNvSpPr>
+            <a:spLocks noGrp="1"/>
+          </p:cNvSpPr>
+          <p:nvPr>
+            <p:ph type="title"/>
+          </p:nvPr>
+        </p:nvSpPr>
+        <p:spPr/>
+        <p:txBody>
+          <a:bodyPr/>
+          <a:lstStyle/>
+          <a:p>
+            <a:r>
+              <a:rPr lang="en-GB" sz="3700" dirty="0"/>
+              <a:t>Climbs &amp; Descents</a:t>
+            </a:r>
+          </a:p>
+        </p:txBody>
+      </p:sp>
+      <p:sp>
+        <p:nvSpPr>
+          <p:cNvPr id="7" name="Content Placeholder 6">
+            <a:extLst>
+              <a:ext uri="{FF2B5EF4-FFF2-40B4-BE49-F238E27FC236}">
+                <a16:creationId xmlns:a16="http://schemas.microsoft.com/office/drawing/2014/main" id="{81C08BC2-19A8-464B-A2C7-FE134A960E49}"/>
+              </a:ext>
+            </a:extLst>
+          </p:cNvPr>
+          <p:cNvSpPr>
+            <a:spLocks noGrp="1"/>
+          </p:cNvSpPr>
+          <p:nvPr>
+            <p:ph idx="1"/>
+          </p:nvPr>
+        </p:nvSpPr>
+        <p:spPr/>
+        <p:txBody>
+          <a:bodyPr/>
+          <a:lstStyle/>
+          <a:p>
+            <a:r>
+              <a:rPr lang="en-GB" sz="2400" dirty="0"/>
+              <a:t>Climbs and Descents are managed similarly, but follow crucially different processes to achieve without disturbing the aircraft.</a:t>
+            </a:r>
+          </a:p>
+          <a:p>
+            <a:r>
+              <a:rPr lang="en-GB" sz="2400" dirty="0"/>
+              <a:t>For </a:t>
+            </a:r>
+            <a:r>
+              <a:rPr lang="en-GB" sz="2400" b="1" dirty="0"/>
+              <a:t>climbs</a:t>
+            </a:r>
+            <a:r>
+              <a:rPr lang="en-GB" sz="2400" dirty="0"/>
+              <a:t>, apply power, then apply pitch and adjust to maintain. Trim the aircraft if required.</a:t>
+            </a:r>
+          </a:p>
+          <a:p>
+            <a:r>
+              <a:rPr lang="en-GB" sz="2400" dirty="0"/>
+              <a:t>For </a:t>
+            </a:r>
+            <a:r>
+              <a:rPr lang="en-GB" sz="2400" b="1" dirty="0"/>
+              <a:t>descents</a:t>
+            </a:r>
+            <a:r>
+              <a:rPr lang="en-GB" sz="2400" dirty="0"/>
+              <a:t>, apply pitch, reduce the throttle and adjust to maintain. Trim the aircraft if required.</a:t>
+            </a:r>
+          </a:p>
+          <a:p>
+            <a:endParaRPr lang="en-GB" sz="2400" dirty="0"/>
+          </a:p>
+        </p:txBody>
+      </p:sp>
+      <p:sp>
+        <p:nvSpPr>
+          <p:cNvPr id="9" name="TextBox 8">
+            <a:extLst>
+              <a:ext uri="{FF2B5EF4-FFF2-40B4-BE49-F238E27FC236}">
+                <a16:creationId xmlns:a16="http://schemas.microsoft.com/office/drawing/2014/main" id="{2D93FB91-1CCB-4F40-8110-791759806717}"/>
+              </a:ext>
+            </a:extLst>
+          </p:cNvPr>
+          <p:cNvSpPr txBox="1"/>
+          <p:nvPr/>
+        </p:nvSpPr>
+        <p:spPr>
+          <a:xfrm>
+            <a:off x="971600" y="6453336"/>
+            <a:ext cx="1440160" cy="276999"/>
+          </a:xfrm>
+          <a:prstGeom prst="rect">
+            <a:avLst/>
+          </a:prstGeom>
+          <a:noFill/>
+        </p:spPr>
+        <p:txBody>
+          <a:bodyPr wrap="square" rtlCol="0">
+            <a:spAutoFit/>
+          </a:bodyPr>
+          <a:lstStyle/>
+          <a:p>
+            <a:r>
+              <a:rPr lang="en-GB" sz="1200" dirty="0"/>
+              <a:t>494(P)-BAS-03</a:t>
+            </a:r>
+          </a:p>
+        </p:txBody>
+      </p:sp>
+      <p:graphicFrame>
+        <p:nvGraphicFramePr>
+          <p:cNvPr id="2" name="Table 2">
+            <a:extLst>
+              <a:ext uri="{FF2B5EF4-FFF2-40B4-BE49-F238E27FC236}">
+                <a16:creationId xmlns:a16="http://schemas.microsoft.com/office/drawing/2014/main" id="{4F625300-029E-4D4D-A08F-445DE3795F69}"/>
+              </a:ext>
+            </a:extLst>
+          </p:cNvPr>
+          <p:cNvGraphicFramePr>
+            <a:graphicFrameLocks noGrp="1"/>
+          </p:cNvGraphicFramePr>
+          <p:nvPr>
+            <p:extLst>
+              <p:ext uri="{D42A27DB-BD31-4B8C-83A1-F6EECF244321}">
+                <p14:modId xmlns:p14="http://schemas.microsoft.com/office/powerpoint/2010/main" val="3956435842"/>
+              </p:ext>
+            </p:extLst>
+          </p:nvPr>
+        </p:nvGraphicFramePr>
+        <p:xfrm>
+          <a:off x="1364357" y="4581128"/>
+          <a:ext cx="6415285" cy="741680"/>
+        </p:xfrm>
+        <a:graphic>
+          <a:graphicData uri="http://schemas.openxmlformats.org/drawingml/2006/table">
+            <a:tbl>
+              <a:tblPr bandRow="1">
+                <a:tableStyleId>{5C22544A-7EE6-4342-B048-85BDC9FD1C3A}</a:tableStyleId>
+              </a:tblPr>
+              <a:tblGrid>
+                <a:gridCol w="1440160">
+                  <a:extLst>
+                    <a:ext uri="{9D8B030D-6E8A-4147-A177-3AD203B41FA5}">
+                      <a16:colId xmlns:a16="http://schemas.microsoft.com/office/drawing/2014/main" val="1472402518"/>
+                    </a:ext>
+                  </a:extLst>
+                </a:gridCol>
+                <a:gridCol w="1125954">
+                  <a:extLst>
+                    <a:ext uri="{9D8B030D-6E8A-4147-A177-3AD203B41FA5}">
+                      <a16:colId xmlns:a16="http://schemas.microsoft.com/office/drawing/2014/main" val="2947382738"/>
+                    </a:ext>
+                  </a:extLst>
+                </a:gridCol>
+                <a:gridCol w="1283057">
+                  <a:extLst>
+                    <a:ext uri="{9D8B030D-6E8A-4147-A177-3AD203B41FA5}">
+                      <a16:colId xmlns:a16="http://schemas.microsoft.com/office/drawing/2014/main" val="1931145450"/>
+                    </a:ext>
+                  </a:extLst>
+                </a:gridCol>
+                <a:gridCol w="1283057">
+                  <a:extLst>
+                    <a:ext uri="{9D8B030D-6E8A-4147-A177-3AD203B41FA5}">
+                      <a16:colId xmlns:a16="http://schemas.microsoft.com/office/drawing/2014/main" val="1836487711"/>
+                    </a:ext>
+                  </a:extLst>
+                </a:gridCol>
+                <a:gridCol w="1283057">
+                  <a:extLst>
+                    <a:ext uri="{9D8B030D-6E8A-4147-A177-3AD203B41FA5}">
+                      <a16:colId xmlns:a16="http://schemas.microsoft.com/office/drawing/2014/main" val="409653756"/>
+                    </a:ext>
+                  </a:extLst>
+                </a:gridCol>
+              </a:tblGrid>
+              <a:tr h="370840">
+                <a:tc>
+                  <a:txBody>
+                    <a:bodyPr/>
+                    <a:lstStyle/>
+                    <a:p>
+                      <a:r>
+                        <a:rPr lang="en-GB" dirty="0"/>
+                        <a:t>For </a:t>
+                      </a:r>
+                      <a:r>
+                        <a:rPr lang="en-GB" b="1" dirty="0"/>
+                        <a:t>Climbs</a:t>
+                      </a:r>
+                    </a:p>
+                  </a:txBody>
+                  <a:tcPr/>
+                </a:tc>
+                <a:tc>
+                  <a:txBody>
+                    <a:bodyPr/>
+                    <a:lstStyle/>
+                    <a:p>
+                      <a:r>
+                        <a:rPr lang="en-GB" b="1" dirty="0"/>
+                        <a:t>P</a:t>
+                      </a:r>
+                      <a:r>
+                        <a:rPr lang="en-GB" b="0" dirty="0"/>
+                        <a:t>ower</a:t>
+                      </a:r>
+                      <a:endParaRPr lang="en-GB" b="1" dirty="0"/>
+                    </a:p>
+                  </a:txBody>
+                  <a:tcPr/>
+                </a:tc>
+                <a:tc>
+                  <a:txBody>
+                    <a:bodyPr/>
+                    <a:lstStyle/>
+                    <a:p>
+                      <a:r>
+                        <a:rPr lang="en-GB" b="1" dirty="0"/>
+                        <a:t>A</a:t>
+                      </a:r>
+                      <a:r>
+                        <a:rPr lang="en-GB" b="0" dirty="0"/>
+                        <a:t>ttitude</a:t>
+                      </a:r>
+                      <a:endParaRPr lang="en-GB" b="1" dirty="0"/>
+                    </a:p>
+                  </a:txBody>
+                  <a:tcPr/>
+                </a:tc>
+                <a:tc>
+                  <a:txBody>
+                    <a:bodyPr/>
+                    <a:lstStyle/>
+                    <a:p>
+                      <a:r>
+                        <a:rPr lang="en-GB" b="1" dirty="0"/>
+                        <a:t>T</a:t>
+                      </a:r>
+                      <a:r>
+                        <a:rPr lang="en-GB" b="0" dirty="0"/>
+                        <a:t>rim</a:t>
+                      </a:r>
+                      <a:endParaRPr lang="en-GB" b="1" dirty="0"/>
+                    </a:p>
+                  </a:txBody>
+                  <a:tcPr/>
+                </a:tc>
+                <a:tc>
+                  <a:txBody>
+                    <a:bodyPr/>
+                    <a:lstStyle/>
+                    <a:p>
+                      <a:pPr algn="ctr"/>
+                      <a:r>
+                        <a:rPr lang="en-GB" b="1" dirty="0"/>
+                        <a:t>PAT</a:t>
+                      </a:r>
+                    </a:p>
+                  </a:txBody>
+                  <a:tcPr/>
+                </a:tc>
+                <a:extLst>
+                  <a:ext uri="{0D108BD9-81ED-4DB2-BD59-A6C34878D82A}">
+                    <a16:rowId xmlns:a16="http://schemas.microsoft.com/office/drawing/2014/main" val="1317689114"/>
+                  </a:ext>
+                </a:extLst>
+              </a:tr>
+              <a:tr h="370840">
+                <a:tc>
+                  <a:txBody>
+                    <a:bodyPr/>
+                    <a:lstStyle/>
+                    <a:p>
+                      <a:r>
+                        <a:rPr lang="en-GB" dirty="0"/>
+                        <a:t>For </a:t>
+                      </a:r>
+                      <a:r>
+                        <a:rPr lang="en-GB" b="1" dirty="0"/>
+                        <a:t>Descents</a:t>
+                      </a:r>
+                      <a:endParaRPr lang="en-GB" dirty="0"/>
+                    </a:p>
+                  </a:txBody>
+                  <a:tcPr/>
+                </a:tc>
+                <a:tc>
+                  <a:txBody>
+                    <a:bodyPr/>
+                    <a:lstStyle/>
+                    <a:p>
+                      <a:r>
+                        <a:rPr lang="en-GB" b="1" dirty="0"/>
+                        <a:t>A</a:t>
+                      </a:r>
+                      <a:r>
+                        <a:rPr lang="en-GB" b="0" dirty="0"/>
+                        <a:t>ttitude</a:t>
+                      </a:r>
+                      <a:endParaRPr lang="en-GB" b="1" dirty="0"/>
+                    </a:p>
+                  </a:txBody>
+                  <a:tcPr/>
+                </a:tc>
+                <a:tc>
+                  <a:txBody>
+                    <a:bodyPr/>
+                    <a:lstStyle/>
+                    <a:p>
+                      <a:r>
+                        <a:rPr lang="en-GB" b="1" dirty="0"/>
+                        <a:t>P</a:t>
+                      </a:r>
+                      <a:r>
+                        <a:rPr lang="en-GB" b="0" dirty="0"/>
+                        <a:t>ower</a:t>
+                      </a:r>
+                      <a:endParaRPr lang="en-GB" b="1" dirty="0"/>
+                    </a:p>
+                  </a:txBody>
+                  <a:tcPr/>
+                </a:tc>
+                <a:tc>
+                  <a:txBody>
+                    <a:bodyPr/>
+                    <a:lstStyle/>
+                    <a:p>
+                      <a:r>
+                        <a:rPr lang="en-GB" b="1" dirty="0"/>
+                        <a:t>T</a:t>
+                      </a:r>
+                      <a:r>
+                        <a:rPr lang="en-GB" b="0" dirty="0"/>
+                        <a:t>rim</a:t>
+                      </a:r>
+                      <a:endParaRPr lang="en-GB" b="1" dirty="0"/>
+                    </a:p>
+                  </a:txBody>
+                  <a:tcPr/>
+                </a:tc>
+                <a:tc>
+                  <a:txBody>
+                    <a:bodyPr/>
+                    <a:lstStyle/>
+                    <a:p>
+                      <a:pPr algn="ctr"/>
+                      <a:r>
+                        <a:rPr lang="en-GB" b="1" dirty="0"/>
+                        <a:t>APT</a:t>
+                      </a:r>
+                    </a:p>
+                  </a:txBody>
+                  <a:tcPr/>
+                </a:tc>
+                <a:extLst>
+                  <a:ext uri="{0D108BD9-81ED-4DB2-BD59-A6C34878D82A}">
+                    <a16:rowId xmlns:a16="http://schemas.microsoft.com/office/drawing/2014/main" val="3851501127"/>
+                  </a:ext>
+                </a:extLst>
+              </a:tr>
+            </a:tbl>
+          </a:graphicData>
+        </a:graphic>
+      </p:graphicFrame>
+    </p:spTree>
+    <p:extLst>
+      <p:ext uri="{BB962C8B-B14F-4D97-AF65-F5344CB8AC3E}">
+        <p14:creationId xmlns:p14="http://schemas.microsoft.com/office/powerpoint/2010/main" val="41099643"/>
       </p:ext>
     </p:extLst>
   </p:cSld>
@@ -12356,6 +13873,1520 @@
     <p:extLst>
       <p:ext uri="{BB962C8B-B14F-4D97-AF65-F5344CB8AC3E}">
         <p14:creationId xmlns:p14="http://schemas.microsoft.com/office/powerpoint/2010/main" val="4228031967"/>
+      </p:ext>
+    </p:extLst>
+  </p:cSld>
+  <p:clrMapOvr>
+    <a:masterClrMapping/>
+  </p:clrMapOvr>
+</p:sld>
+</file>
+
+<file path=ppt/slides/slide30.xml><?xml version="1.0" encoding="utf-8"?>
+<p:sld xmlns:a="http://schemas.openxmlformats.org/drawingml/2006/main" xmlns:r="http://schemas.openxmlformats.org/officeDocument/2006/relationships" xmlns:p="http://schemas.openxmlformats.org/presentationml/2006/main">
+  <p:cSld>
+    <p:spTree>
+      <p:nvGrpSpPr>
+        <p:cNvPr id="1" name=""/>
+        <p:cNvGrpSpPr/>
+        <p:nvPr/>
+      </p:nvGrpSpPr>
+      <p:grpSpPr>
+        <a:xfrm>
+          <a:off x="0" y="0"/>
+          <a:ext cx="0" cy="0"/>
+          <a:chOff x="0" y="0"/>
+          <a:chExt cx="0" cy="0"/>
+        </a:xfrm>
+      </p:grpSpPr>
+      <p:sp>
+        <p:nvSpPr>
+          <p:cNvPr id="6" name="Title 5">
+            <a:extLst>
+              <a:ext uri="{FF2B5EF4-FFF2-40B4-BE49-F238E27FC236}">
+                <a16:creationId xmlns:a16="http://schemas.microsoft.com/office/drawing/2014/main" id="{C5372D0A-E260-4F85-BA5F-02B997435337}"/>
+              </a:ext>
+            </a:extLst>
+          </p:cNvPr>
+          <p:cNvSpPr>
+            <a:spLocks noGrp="1"/>
+          </p:cNvSpPr>
+          <p:nvPr>
+            <p:ph type="title"/>
+          </p:nvPr>
+        </p:nvSpPr>
+        <p:spPr/>
+        <p:txBody>
+          <a:bodyPr/>
+          <a:lstStyle/>
+          <a:p>
+            <a:r>
+              <a:rPr lang="en-GB" sz="3700" dirty="0"/>
+              <a:t>Climbing Turns and Descents </a:t>
+            </a:r>
+          </a:p>
+        </p:txBody>
+      </p:sp>
+      <p:sp>
+        <p:nvSpPr>
+          <p:cNvPr id="7" name="Content Placeholder 6">
+            <a:extLst>
+              <a:ext uri="{FF2B5EF4-FFF2-40B4-BE49-F238E27FC236}">
+                <a16:creationId xmlns:a16="http://schemas.microsoft.com/office/drawing/2014/main" id="{81C08BC2-19A8-464B-A2C7-FE134A960E49}"/>
+              </a:ext>
+            </a:extLst>
+          </p:cNvPr>
+          <p:cNvSpPr>
+            <a:spLocks noGrp="1"/>
+          </p:cNvSpPr>
+          <p:nvPr>
+            <p:ph idx="1"/>
+          </p:nvPr>
+        </p:nvSpPr>
+        <p:spPr/>
+        <p:txBody>
+          <a:bodyPr/>
+          <a:lstStyle/>
+          <a:p>
+            <a:r>
+              <a:rPr lang="en-GB" sz="2400" dirty="0"/>
+              <a:t>To perform a coordinated, climbing or descending turn, control inputs for all four primary controls will be required:</a:t>
+            </a:r>
+          </a:p>
+          <a:p>
+            <a:pPr lvl="1"/>
+            <a:r>
+              <a:rPr lang="en-GB" sz="2000" dirty="0"/>
+              <a:t>Throttle is required to maintain speed</a:t>
+            </a:r>
+          </a:p>
+          <a:p>
+            <a:pPr lvl="1"/>
+            <a:r>
+              <a:rPr lang="en-GB" sz="2000" dirty="0"/>
+              <a:t>Pitch is required to either climb or descend the aircraft</a:t>
+            </a:r>
+          </a:p>
+          <a:p>
+            <a:pPr lvl="1"/>
+            <a:r>
+              <a:rPr lang="en-GB" sz="2000" dirty="0"/>
+              <a:t>Aileron inputs are required to reach and achieve the desired angle of bank</a:t>
+            </a:r>
+          </a:p>
+          <a:p>
+            <a:pPr lvl="1"/>
+            <a:r>
+              <a:rPr lang="en-GB" sz="2000" dirty="0"/>
+              <a:t>Rudder input is required to maintain a coordinated turn</a:t>
+            </a:r>
+          </a:p>
+          <a:p>
+            <a:r>
+              <a:rPr lang="en-GB" sz="2400" dirty="0"/>
+              <a:t>Considering the primary and secondary effects of all controls, continual, complimentary control inputs will be required for the duration of the manoeuvre. </a:t>
+            </a:r>
+          </a:p>
+        </p:txBody>
+      </p:sp>
+      <p:sp>
+        <p:nvSpPr>
+          <p:cNvPr id="9" name="TextBox 8">
+            <a:extLst>
+              <a:ext uri="{FF2B5EF4-FFF2-40B4-BE49-F238E27FC236}">
+                <a16:creationId xmlns:a16="http://schemas.microsoft.com/office/drawing/2014/main" id="{2D93FB91-1CCB-4F40-8110-791759806717}"/>
+              </a:ext>
+            </a:extLst>
+          </p:cNvPr>
+          <p:cNvSpPr txBox="1"/>
+          <p:nvPr/>
+        </p:nvSpPr>
+        <p:spPr>
+          <a:xfrm>
+            <a:off x="971600" y="6453336"/>
+            <a:ext cx="1440160" cy="276999"/>
+          </a:xfrm>
+          <a:prstGeom prst="rect">
+            <a:avLst/>
+          </a:prstGeom>
+          <a:noFill/>
+        </p:spPr>
+        <p:txBody>
+          <a:bodyPr wrap="square" rtlCol="0">
+            <a:spAutoFit/>
+          </a:bodyPr>
+          <a:lstStyle/>
+          <a:p>
+            <a:r>
+              <a:rPr lang="en-GB" sz="1200" dirty="0"/>
+              <a:t>494(P)-BAS-03</a:t>
+            </a:r>
+          </a:p>
+        </p:txBody>
+      </p:sp>
+    </p:spTree>
+    <p:extLst>
+      <p:ext uri="{BB962C8B-B14F-4D97-AF65-F5344CB8AC3E}">
+        <p14:creationId xmlns:p14="http://schemas.microsoft.com/office/powerpoint/2010/main" val="2213527629"/>
+      </p:ext>
+    </p:extLst>
+  </p:cSld>
+  <p:clrMapOvr>
+    <a:masterClrMapping/>
+  </p:clrMapOvr>
+</p:sld>
+</file>
+
+<file path=ppt/slides/slide31.xml><?xml version="1.0" encoding="utf-8"?>
+<p:sld xmlns:a="http://schemas.openxmlformats.org/drawingml/2006/main" xmlns:r="http://schemas.openxmlformats.org/officeDocument/2006/relationships" xmlns:p="http://schemas.openxmlformats.org/presentationml/2006/main">
+  <p:cSld>
+    <p:spTree>
+      <p:nvGrpSpPr>
+        <p:cNvPr id="1" name=""/>
+        <p:cNvGrpSpPr/>
+        <p:nvPr/>
+      </p:nvGrpSpPr>
+      <p:grpSpPr>
+        <a:xfrm>
+          <a:off x="0" y="0"/>
+          <a:ext cx="0" cy="0"/>
+          <a:chOff x="0" y="0"/>
+          <a:chExt cx="0" cy="0"/>
+        </a:xfrm>
+      </p:grpSpPr>
+      <p:sp>
+        <p:nvSpPr>
+          <p:cNvPr id="7" name="Title 6">
+            <a:extLst>
+              <a:ext uri="{FF2B5EF4-FFF2-40B4-BE49-F238E27FC236}">
+                <a16:creationId xmlns:a16="http://schemas.microsoft.com/office/drawing/2014/main" id="{264D352A-6490-4480-892C-323D5009DE9E}"/>
+              </a:ext>
+            </a:extLst>
+          </p:cNvPr>
+          <p:cNvSpPr>
+            <a:spLocks noGrp="1"/>
+          </p:cNvSpPr>
+          <p:nvPr>
+            <p:ph type="title"/>
+          </p:nvPr>
+        </p:nvSpPr>
+        <p:spPr/>
+        <p:txBody>
+          <a:bodyPr/>
+          <a:lstStyle/>
+          <a:p>
+            <a:r>
+              <a:rPr lang="en-GB" b="1" dirty="0"/>
+              <a:t>Landing</a:t>
+            </a:r>
+          </a:p>
+        </p:txBody>
+      </p:sp>
+      <p:sp>
+        <p:nvSpPr>
+          <p:cNvPr id="8" name="Content Placeholder 7">
+            <a:extLst>
+              <a:ext uri="{FF2B5EF4-FFF2-40B4-BE49-F238E27FC236}">
+                <a16:creationId xmlns:a16="http://schemas.microsoft.com/office/drawing/2014/main" id="{BE0E3DF2-7D61-4E65-B9C8-8C8786AC82BB}"/>
+              </a:ext>
+            </a:extLst>
+          </p:cNvPr>
+          <p:cNvSpPr>
+            <a:spLocks noGrp="1"/>
+          </p:cNvSpPr>
+          <p:nvPr>
+            <p:ph sz="half" idx="1"/>
+          </p:nvPr>
+        </p:nvSpPr>
+        <p:spPr>
+          <a:xfrm>
+            <a:off x="395536" y="1817333"/>
+            <a:ext cx="4752528" cy="4351338"/>
+          </a:xfrm>
+        </p:spPr>
+        <p:txBody>
+          <a:bodyPr/>
+          <a:lstStyle/>
+          <a:p>
+            <a:r>
+              <a:rPr lang="en-GB" sz="2600" dirty="0"/>
+              <a:t>Preparing to Land</a:t>
+            </a:r>
+          </a:p>
+          <a:p>
+            <a:r>
+              <a:rPr lang="en-GB" sz="2600" dirty="0"/>
+              <a:t>Configuring the Aircraft for Landing</a:t>
+            </a:r>
+          </a:p>
+          <a:p>
+            <a:r>
+              <a:rPr lang="en-GB" sz="2600" dirty="0"/>
+              <a:t>Landing</a:t>
+            </a:r>
+          </a:p>
+          <a:p>
+            <a:endParaRPr lang="en-GB" sz="2600" dirty="0"/>
+          </a:p>
+        </p:txBody>
+      </p:sp>
+      <p:sp>
+        <p:nvSpPr>
+          <p:cNvPr id="6" name="TextBox 5">
+            <a:extLst>
+              <a:ext uri="{FF2B5EF4-FFF2-40B4-BE49-F238E27FC236}">
+                <a16:creationId xmlns:a16="http://schemas.microsoft.com/office/drawing/2014/main" id="{E1CC5CBC-7FFB-44CA-B3ED-FD229E0BDE86}"/>
+              </a:ext>
+            </a:extLst>
+          </p:cNvPr>
+          <p:cNvSpPr txBox="1"/>
+          <p:nvPr/>
+        </p:nvSpPr>
+        <p:spPr>
+          <a:xfrm>
+            <a:off x="971600" y="6453336"/>
+            <a:ext cx="1440160" cy="276999"/>
+          </a:xfrm>
+          <a:prstGeom prst="rect">
+            <a:avLst/>
+          </a:prstGeom>
+          <a:noFill/>
+        </p:spPr>
+        <p:txBody>
+          <a:bodyPr wrap="square" rtlCol="0">
+            <a:spAutoFit/>
+          </a:bodyPr>
+          <a:lstStyle/>
+          <a:p>
+            <a:r>
+              <a:rPr lang="en-GB" sz="1200" dirty="0"/>
+              <a:t>494(P)-BAS-03</a:t>
+            </a:r>
+          </a:p>
+        </p:txBody>
+      </p:sp>
+    </p:spTree>
+    <p:extLst>
+      <p:ext uri="{BB962C8B-B14F-4D97-AF65-F5344CB8AC3E}">
+        <p14:creationId xmlns:p14="http://schemas.microsoft.com/office/powerpoint/2010/main" val="1966687124"/>
+      </p:ext>
+    </p:extLst>
+  </p:cSld>
+  <p:clrMapOvr>
+    <a:masterClrMapping/>
+  </p:clrMapOvr>
+</p:sld>
+</file>
+
+<file path=ppt/slides/slide32.xml><?xml version="1.0" encoding="utf-8"?>
+<p:sld xmlns:a="http://schemas.openxmlformats.org/drawingml/2006/main" xmlns:r="http://schemas.openxmlformats.org/officeDocument/2006/relationships" xmlns:p="http://schemas.openxmlformats.org/presentationml/2006/main">
+  <p:cSld>
+    <p:spTree>
+      <p:nvGrpSpPr>
+        <p:cNvPr id="1" name=""/>
+        <p:cNvGrpSpPr/>
+        <p:nvPr/>
+      </p:nvGrpSpPr>
+      <p:grpSpPr>
+        <a:xfrm>
+          <a:off x="0" y="0"/>
+          <a:ext cx="0" cy="0"/>
+          <a:chOff x="0" y="0"/>
+          <a:chExt cx="0" cy="0"/>
+        </a:xfrm>
+      </p:grpSpPr>
+      <p:sp>
+        <p:nvSpPr>
+          <p:cNvPr id="6" name="Title 5">
+            <a:extLst>
+              <a:ext uri="{FF2B5EF4-FFF2-40B4-BE49-F238E27FC236}">
+                <a16:creationId xmlns:a16="http://schemas.microsoft.com/office/drawing/2014/main" id="{C5372D0A-E260-4F85-BA5F-02B997435337}"/>
+              </a:ext>
+            </a:extLst>
+          </p:cNvPr>
+          <p:cNvSpPr>
+            <a:spLocks noGrp="1"/>
+          </p:cNvSpPr>
+          <p:nvPr>
+            <p:ph type="title"/>
+          </p:nvPr>
+        </p:nvSpPr>
+        <p:spPr/>
+        <p:txBody>
+          <a:bodyPr/>
+          <a:lstStyle/>
+          <a:p>
+            <a:r>
+              <a:rPr lang="en-GB" sz="3700" dirty="0"/>
+              <a:t>Preparing to Land</a:t>
+            </a:r>
+          </a:p>
+        </p:txBody>
+      </p:sp>
+      <p:sp>
+        <p:nvSpPr>
+          <p:cNvPr id="7" name="Content Placeholder 6">
+            <a:extLst>
+              <a:ext uri="{FF2B5EF4-FFF2-40B4-BE49-F238E27FC236}">
+                <a16:creationId xmlns:a16="http://schemas.microsoft.com/office/drawing/2014/main" id="{81C08BC2-19A8-464B-A2C7-FE134A960E49}"/>
+              </a:ext>
+            </a:extLst>
+          </p:cNvPr>
+          <p:cNvSpPr>
+            <a:spLocks noGrp="1"/>
+          </p:cNvSpPr>
+          <p:nvPr>
+            <p:ph idx="1"/>
+          </p:nvPr>
+        </p:nvSpPr>
+        <p:spPr/>
+        <p:txBody>
+          <a:bodyPr/>
+          <a:lstStyle/>
+          <a:p>
+            <a:r>
+              <a:rPr lang="en-GB" sz="2400" dirty="0"/>
+              <a:t>There are many principles that may be considered when landing an aircraft. Commonly, pilots use one of two methodologies to control the aircraft in the landing phase:</a:t>
+            </a:r>
+          </a:p>
+          <a:p>
+            <a:pPr lvl="1"/>
+            <a:r>
+              <a:rPr lang="en-GB" sz="2000" b="1" dirty="0"/>
+              <a:t>Throttle </a:t>
+            </a:r>
+            <a:r>
+              <a:rPr lang="en-GB" sz="2000" dirty="0"/>
+              <a:t>for speed, </a:t>
+            </a:r>
+            <a:r>
+              <a:rPr lang="en-GB" sz="2000" b="1" dirty="0"/>
+              <a:t>pitch </a:t>
+            </a:r>
+            <a:r>
+              <a:rPr lang="en-GB" sz="2000" dirty="0"/>
+              <a:t>to get there</a:t>
+            </a:r>
+            <a:endParaRPr lang="en-GB" sz="2000" b="1" dirty="0"/>
+          </a:p>
+          <a:p>
+            <a:pPr lvl="1"/>
+            <a:r>
+              <a:rPr lang="en-GB" sz="2000" b="1" dirty="0"/>
+              <a:t>Pitch </a:t>
+            </a:r>
+            <a:r>
+              <a:rPr lang="en-GB" sz="2000" dirty="0"/>
+              <a:t>for speed, </a:t>
+            </a:r>
+            <a:r>
+              <a:rPr lang="en-GB" sz="2000" b="1" dirty="0"/>
+              <a:t>throttle </a:t>
+            </a:r>
+            <a:r>
+              <a:rPr lang="en-GB" sz="2000" dirty="0"/>
+              <a:t>to get there</a:t>
+            </a:r>
+          </a:p>
+          <a:p>
+            <a:r>
+              <a:rPr lang="en-GB" sz="2400" dirty="0"/>
+              <a:t>Practising both of these and adopting the best for you is critical, although most seem to prefer the latter.</a:t>
+            </a:r>
+          </a:p>
+          <a:p>
+            <a:r>
+              <a:rPr lang="en-GB" sz="2400" dirty="0"/>
+              <a:t>Before landing, it is critical to understand the landing runway and the wind direction. Corrective action will need to be taken to compensate for wind.</a:t>
+            </a:r>
+          </a:p>
+          <a:p>
+            <a:endParaRPr lang="en-GB" sz="2400" dirty="0"/>
+          </a:p>
+        </p:txBody>
+      </p:sp>
+      <p:sp>
+        <p:nvSpPr>
+          <p:cNvPr id="9" name="TextBox 8">
+            <a:extLst>
+              <a:ext uri="{FF2B5EF4-FFF2-40B4-BE49-F238E27FC236}">
+                <a16:creationId xmlns:a16="http://schemas.microsoft.com/office/drawing/2014/main" id="{2D93FB91-1CCB-4F40-8110-791759806717}"/>
+              </a:ext>
+            </a:extLst>
+          </p:cNvPr>
+          <p:cNvSpPr txBox="1"/>
+          <p:nvPr/>
+        </p:nvSpPr>
+        <p:spPr>
+          <a:xfrm>
+            <a:off x="971600" y="6453336"/>
+            <a:ext cx="1440160" cy="276999"/>
+          </a:xfrm>
+          <a:prstGeom prst="rect">
+            <a:avLst/>
+          </a:prstGeom>
+          <a:noFill/>
+        </p:spPr>
+        <p:txBody>
+          <a:bodyPr wrap="square" rtlCol="0">
+            <a:spAutoFit/>
+          </a:bodyPr>
+          <a:lstStyle/>
+          <a:p>
+            <a:r>
+              <a:rPr lang="en-GB" sz="1200" dirty="0"/>
+              <a:t>494(P)-BAS-03</a:t>
+            </a:r>
+          </a:p>
+        </p:txBody>
+      </p:sp>
+    </p:spTree>
+    <p:extLst>
+      <p:ext uri="{BB962C8B-B14F-4D97-AF65-F5344CB8AC3E}">
+        <p14:creationId xmlns:p14="http://schemas.microsoft.com/office/powerpoint/2010/main" val="3942793224"/>
+      </p:ext>
+    </p:extLst>
+  </p:cSld>
+  <p:clrMapOvr>
+    <a:masterClrMapping/>
+  </p:clrMapOvr>
+</p:sld>
+</file>
+
+<file path=ppt/slides/slide33.xml><?xml version="1.0" encoding="utf-8"?>
+<p:sld xmlns:a="http://schemas.openxmlformats.org/drawingml/2006/main" xmlns:r="http://schemas.openxmlformats.org/officeDocument/2006/relationships" xmlns:p="http://schemas.openxmlformats.org/presentationml/2006/main">
+  <p:cSld>
+    <p:spTree>
+      <p:nvGrpSpPr>
+        <p:cNvPr id="1" name=""/>
+        <p:cNvGrpSpPr/>
+        <p:nvPr/>
+      </p:nvGrpSpPr>
+      <p:grpSpPr>
+        <a:xfrm>
+          <a:off x="0" y="0"/>
+          <a:ext cx="0" cy="0"/>
+          <a:chOff x="0" y="0"/>
+          <a:chExt cx="0" cy="0"/>
+        </a:xfrm>
+      </p:grpSpPr>
+      <p:sp>
+        <p:nvSpPr>
+          <p:cNvPr id="6" name="Title 5">
+            <a:extLst>
+              <a:ext uri="{FF2B5EF4-FFF2-40B4-BE49-F238E27FC236}">
+                <a16:creationId xmlns:a16="http://schemas.microsoft.com/office/drawing/2014/main" id="{C5372D0A-E260-4F85-BA5F-02B997435337}"/>
+              </a:ext>
+            </a:extLst>
+          </p:cNvPr>
+          <p:cNvSpPr>
+            <a:spLocks noGrp="1"/>
+          </p:cNvSpPr>
+          <p:nvPr>
+            <p:ph type="title"/>
+          </p:nvPr>
+        </p:nvSpPr>
+        <p:spPr/>
+        <p:txBody>
+          <a:bodyPr/>
+          <a:lstStyle/>
+          <a:p>
+            <a:r>
+              <a:rPr lang="en-GB" sz="3700" dirty="0"/>
+              <a:t>Configuring the Aircraft for Landing</a:t>
+            </a:r>
+          </a:p>
+        </p:txBody>
+      </p:sp>
+      <p:sp>
+        <p:nvSpPr>
+          <p:cNvPr id="7" name="Content Placeholder 6">
+            <a:extLst>
+              <a:ext uri="{FF2B5EF4-FFF2-40B4-BE49-F238E27FC236}">
+                <a16:creationId xmlns:a16="http://schemas.microsoft.com/office/drawing/2014/main" id="{81C08BC2-19A8-464B-A2C7-FE134A960E49}"/>
+              </a:ext>
+            </a:extLst>
+          </p:cNvPr>
+          <p:cNvSpPr>
+            <a:spLocks noGrp="1"/>
+          </p:cNvSpPr>
+          <p:nvPr>
+            <p:ph idx="1"/>
+          </p:nvPr>
+        </p:nvSpPr>
+        <p:spPr/>
+        <p:txBody>
+          <a:bodyPr/>
+          <a:lstStyle/>
+          <a:p>
+            <a:r>
+              <a:rPr lang="en-GB" sz="2400" dirty="0"/>
+              <a:t>The aircraft should be configured for landing (gear down and full flaps) and no warnings should be displayed. Speed-brake should not be used for landing.</a:t>
+            </a:r>
+          </a:p>
+          <a:p>
+            <a:r>
+              <a:rPr lang="en-GB" sz="2400" dirty="0"/>
+              <a:t>Appropriate lighting should be used for recoveries at aerodromes in accordance with 132-TTP-5 - ATC and Airbase Operations.</a:t>
+            </a:r>
+          </a:p>
+          <a:p>
+            <a:r>
+              <a:rPr lang="en-GB" sz="2400" dirty="0"/>
+              <a:t>Commonly, the HUD repeater is displayed on the Left MFD and the Checklist page displayed on the right MFD.</a:t>
+            </a:r>
+          </a:p>
+        </p:txBody>
+      </p:sp>
+      <p:sp>
+        <p:nvSpPr>
+          <p:cNvPr id="9" name="TextBox 8">
+            <a:extLst>
+              <a:ext uri="{FF2B5EF4-FFF2-40B4-BE49-F238E27FC236}">
+                <a16:creationId xmlns:a16="http://schemas.microsoft.com/office/drawing/2014/main" id="{2D93FB91-1CCB-4F40-8110-791759806717}"/>
+              </a:ext>
+            </a:extLst>
+          </p:cNvPr>
+          <p:cNvSpPr txBox="1"/>
+          <p:nvPr/>
+        </p:nvSpPr>
+        <p:spPr>
+          <a:xfrm>
+            <a:off x="971600" y="6453336"/>
+            <a:ext cx="1440160" cy="276999"/>
+          </a:xfrm>
+          <a:prstGeom prst="rect">
+            <a:avLst/>
+          </a:prstGeom>
+          <a:noFill/>
+        </p:spPr>
+        <p:txBody>
+          <a:bodyPr wrap="square" rtlCol="0">
+            <a:spAutoFit/>
+          </a:bodyPr>
+          <a:lstStyle/>
+          <a:p>
+            <a:r>
+              <a:rPr lang="en-GB" sz="1200" dirty="0"/>
+              <a:t>494(P)-BAS-03</a:t>
+            </a:r>
+          </a:p>
+        </p:txBody>
+      </p:sp>
+    </p:spTree>
+    <p:extLst>
+      <p:ext uri="{BB962C8B-B14F-4D97-AF65-F5344CB8AC3E}">
+        <p14:creationId xmlns:p14="http://schemas.microsoft.com/office/powerpoint/2010/main" val="424534578"/>
+      </p:ext>
+    </p:extLst>
+  </p:cSld>
+  <p:clrMapOvr>
+    <a:masterClrMapping/>
+  </p:clrMapOvr>
+</p:sld>
+</file>
+
+<file path=ppt/slides/slide34.xml><?xml version="1.0" encoding="utf-8"?>
+<p:sld xmlns:a="http://schemas.openxmlformats.org/drawingml/2006/main" xmlns:r="http://schemas.openxmlformats.org/officeDocument/2006/relationships" xmlns:p="http://schemas.openxmlformats.org/presentationml/2006/main">
+  <p:cSld>
+    <p:spTree>
+      <p:nvGrpSpPr>
+        <p:cNvPr id="1" name=""/>
+        <p:cNvGrpSpPr/>
+        <p:nvPr/>
+      </p:nvGrpSpPr>
+      <p:grpSpPr>
+        <a:xfrm>
+          <a:off x="0" y="0"/>
+          <a:ext cx="0" cy="0"/>
+          <a:chOff x="0" y="0"/>
+          <a:chExt cx="0" cy="0"/>
+        </a:xfrm>
+      </p:grpSpPr>
+      <p:sp>
+        <p:nvSpPr>
+          <p:cNvPr id="6" name="Title 5">
+            <a:extLst>
+              <a:ext uri="{FF2B5EF4-FFF2-40B4-BE49-F238E27FC236}">
+                <a16:creationId xmlns:a16="http://schemas.microsoft.com/office/drawing/2014/main" id="{C5372D0A-E260-4F85-BA5F-02B997435337}"/>
+              </a:ext>
+            </a:extLst>
+          </p:cNvPr>
+          <p:cNvSpPr>
+            <a:spLocks noGrp="1"/>
+          </p:cNvSpPr>
+          <p:nvPr>
+            <p:ph type="title"/>
+          </p:nvPr>
+        </p:nvSpPr>
+        <p:spPr/>
+        <p:txBody>
+          <a:bodyPr/>
+          <a:lstStyle/>
+          <a:p>
+            <a:r>
+              <a:rPr lang="en-GB" sz="3700" dirty="0"/>
+              <a:t>Landing</a:t>
+            </a:r>
+          </a:p>
+        </p:txBody>
+      </p:sp>
+      <p:sp>
+        <p:nvSpPr>
+          <p:cNvPr id="7" name="Content Placeholder 6">
+            <a:extLst>
+              <a:ext uri="{FF2B5EF4-FFF2-40B4-BE49-F238E27FC236}">
+                <a16:creationId xmlns:a16="http://schemas.microsoft.com/office/drawing/2014/main" id="{81C08BC2-19A8-464B-A2C7-FE134A960E49}"/>
+              </a:ext>
+            </a:extLst>
+          </p:cNvPr>
+          <p:cNvSpPr>
+            <a:spLocks noGrp="1"/>
+          </p:cNvSpPr>
+          <p:nvPr>
+            <p:ph idx="1"/>
+          </p:nvPr>
+        </p:nvSpPr>
+        <p:spPr>
+          <a:xfrm>
+            <a:off x="755576" y="1628801"/>
+            <a:ext cx="3888432" cy="4351338"/>
+          </a:xfrm>
+        </p:spPr>
+        <p:txBody>
+          <a:bodyPr/>
+          <a:lstStyle/>
+          <a:p>
+            <a:r>
+              <a:rPr lang="en-GB" sz="2000" dirty="0"/>
+              <a:t>When lined up on the final approach course, a gradual descent should be achieved whilst keeping the aircraft flying straight.</a:t>
+            </a:r>
+          </a:p>
+          <a:p>
+            <a:r>
+              <a:rPr lang="en-GB" sz="2000" dirty="0"/>
+              <a:t>Displayed on the HUD is an ‘E’ bracket which indicates the optimal </a:t>
+            </a:r>
+            <a:r>
+              <a:rPr lang="en-GB" sz="2000" dirty="0" err="1"/>
+              <a:t>AoA</a:t>
+            </a:r>
+            <a:r>
+              <a:rPr lang="en-GB" sz="2000" dirty="0"/>
+              <a:t> for landing.</a:t>
+            </a:r>
+          </a:p>
+          <a:p>
+            <a:r>
+              <a:rPr lang="en-GB" sz="2000" dirty="0"/>
+              <a:t>The aircraft speed is considered ‘correct’ when the Velocity Vector is aligned with the middle of the ‘E’ bracket.</a:t>
+            </a:r>
+          </a:p>
+          <a:p>
+            <a:r>
+              <a:rPr lang="en-GB" sz="2000" dirty="0"/>
+              <a:t>This coincides with a yellow ‘doughnut’ shown on the </a:t>
+            </a:r>
+            <a:r>
+              <a:rPr lang="en-GB" sz="2000" dirty="0" err="1"/>
+              <a:t>AoA</a:t>
+            </a:r>
+            <a:r>
+              <a:rPr lang="en-GB" sz="2000" dirty="0"/>
+              <a:t> indicator left of the HUD.</a:t>
+            </a:r>
+          </a:p>
+        </p:txBody>
+      </p:sp>
+      <p:sp>
+        <p:nvSpPr>
+          <p:cNvPr id="9" name="TextBox 8">
+            <a:extLst>
+              <a:ext uri="{FF2B5EF4-FFF2-40B4-BE49-F238E27FC236}">
+                <a16:creationId xmlns:a16="http://schemas.microsoft.com/office/drawing/2014/main" id="{2D93FB91-1CCB-4F40-8110-791759806717}"/>
+              </a:ext>
+            </a:extLst>
+          </p:cNvPr>
+          <p:cNvSpPr txBox="1"/>
+          <p:nvPr/>
+        </p:nvSpPr>
+        <p:spPr>
+          <a:xfrm>
+            <a:off x="971600" y="6453336"/>
+            <a:ext cx="1440160" cy="276999"/>
+          </a:xfrm>
+          <a:prstGeom prst="rect">
+            <a:avLst/>
+          </a:prstGeom>
+          <a:noFill/>
+        </p:spPr>
+        <p:txBody>
+          <a:bodyPr wrap="square" rtlCol="0">
+            <a:spAutoFit/>
+          </a:bodyPr>
+          <a:lstStyle/>
+          <a:p>
+            <a:r>
+              <a:rPr lang="en-GB" sz="1200" dirty="0"/>
+              <a:t>494(P)-BAS-03</a:t>
+            </a:r>
+          </a:p>
+        </p:txBody>
+      </p:sp>
+      <p:pic>
+        <p:nvPicPr>
+          <p:cNvPr id="5" name="Picture 4">
+            <a:extLst>
+              <a:ext uri="{FF2B5EF4-FFF2-40B4-BE49-F238E27FC236}">
+                <a16:creationId xmlns:a16="http://schemas.microsoft.com/office/drawing/2014/main" id="{0514DE11-F2CE-45C7-BF35-1E56DA6C7284}"/>
+              </a:ext>
+            </a:extLst>
+          </p:cNvPr>
+          <p:cNvPicPr>
+            <a:picLocks noChangeAspect="1"/>
+          </p:cNvPicPr>
+          <p:nvPr/>
+        </p:nvPicPr>
+        <p:blipFill>
+          <a:blip r:embed="rId2"/>
+          <a:stretch>
+            <a:fillRect/>
+          </a:stretch>
+        </p:blipFill>
+        <p:spPr>
+          <a:xfrm>
+            <a:off x="4860032" y="1167193"/>
+            <a:ext cx="3843202" cy="4523613"/>
+          </a:xfrm>
+          <a:prstGeom prst="rect">
+            <a:avLst/>
+          </a:prstGeom>
+        </p:spPr>
+      </p:pic>
+    </p:spTree>
+    <p:extLst>
+      <p:ext uri="{BB962C8B-B14F-4D97-AF65-F5344CB8AC3E}">
+        <p14:creationId xmlns:p14="http://schemas.microsoft.com/office/powerpoint/2010/main" val="1298131675"/>
+      </p:ext>
+    </p:extLst>
+  </p:cSld>
+  <p:clrMapOvr>
+    <a:masterClrMapping/>
+  </p:clrMapOvr>
+</p:sld>
+</file>
+
+<file path=ppt/slides/slide35.xml><?xml version="1.0" encoding="utf-8"?>
+<p:sld xmlns:a="http://schemas.openxmlformats.org/drawingml/2006/main" xmlns:r="http://schemas.openxmlformats.org/officeDocument/2006/relationships" xmlns:p="http://schemas.openxmlformats.org/presentationml/2006/main">
+  <p:cSld>
+    <p:spTree>
+      <p:nvGrpSpPr>
+        <p:cNvPr id="1" name=""/>
+        <p:cNvGrpSpPr/>
+        <p:nvPr/>
+      </p:nvGrpSpPr>
+      <p:grpSpPr>
+        <a:xfrm>
+          <a:off x="0" y="0"/>
+          <a:ext cx="0" cy="0"/>
+          <a:chOff x="0" y="0"/>
+          <a:chExt cx="0" cy="0"/>
+        </a:xfrm>
+      </p:grpSpPr>
+      <p:sp>
+        <p:nvSpPr>
+          <p:cNvPr id="6" name="Title 5">
+            <a:extLst>
+              <a:ext uri="{FF2B5EF4-FFF2-40B4-BE49-F238E27FC236}">
+                <a16:creationId xmlns:a16="http://schemas.microsoft.com/office/drawing/2014/main" id="{C5372D0A-E260-4F85-BA5F-02B997435337}"/>
+              </a:ext>
+            </a:extLst>
+          </p:cNvPr>
+          <p:cNvSpPr>
+            <a:spLocks noGrp="1"/>
+          </p:cNvSpPr>
+          <p:nvPr>
+            <p:ph type="title"/>
+          </p:nvPr>
+        </p:nvSpPr>
+        <p:spPr/>
+        <p:txBody>
+          <a:bodyPr/>
+          <a:lstStyle/>
+          <a:p>
+            <a:r>
+              <a:rPr lang="en-GB" sz="3700" dirty="0"/>
+              <a:t>Landing</a:t>
+            </a:r>
+          </a:p>
+        </p:txBody>
+      </p:sp>
+      <p:sp>
+        <p:nvSpPr>
+          <p:cNvPr id="7" name="Content Placeholder 6">
+            <a:extLst>
+              <a:ext uri="{FF2B5EF4-FFF2-40B4-BE49-F238E27FC236}">
+                <a16:creationId xmlns:a16="http://schemas.microsoft.com/office/drawing/2014/main" id="{81C08BC2-19A8-464B-A2C7-FE134A960E49}"/>
+              </a:ext>
+            </a:extLst>
+          </p:cNvPr>
+          <p:cNvSpPr>
+            <a:spLocks noGrp="1"/>
+          </p:cNvSpPr>
+          <p:nvPr>
+            <p:ph idx="1"/>
+          </p:nvPr>
+        </p:nvSpPr>
+        <p:spPr/>
+        <p:txBody>
+          <a:bodyPr/>
+          <a:lstStyle/>
+          <a:p>
+            <a:r>
+              <a:rPr lang="en-GB" sz="2400" dirty="0"/>
+              <a:t>To safely land the aircraft, fly the aircraft maintaining the Velocity Vector in the middle of the ‘E’ bracket until touchdown. The F/A-18C is designed to withstand high-impact carrier landings and accordingly there is no requirement to flare.</a:t>
+            </a:r>
+          </a:p>
+          <a:p>
+            <a:r>
+              <a:rPr lang="en-GB" sz="2400" dirty="0"/>
+              <a:t>Place the velocity vector over the point at which you intend to touch down and manage the pitch and throttle together – pitching down requires a reduction in throttle and vice versa.</a:t>
+            </a:r>
+          </a:p>
+          <a:p>
+            <a:r>
+              <a:rPr lang="en-GB" sz="2400" dirty="0"/>
+              <a:t>Do </a:t>
+            </a:r>
+            <a:r>
+              <a:rPr lang="en-GB" sz="2400" b="1" dirty="0"/>
+              <a:t>not </a:t>
+            </a:r>
+            <a:r>
+              <a:rPr lang="en-GB" sz="2400" dirty="0"/>
+              <a:t>look at your speed – if you have ‘on speed’ </a:t>
+            </a:r>
+            <a:r>
+              <a:rPr lang="en-GB" sz="2400" dirty="0" err="1"/>
+              <a:t>AoA</a:t>
+            </a:r>
+            <a:r>
+              <a:rPr lang="en-GB" sz="2400" dirty="0"/>
+              <a:t> then your speed is correct.</a:t>
+            </a:r>
+          </a:p>
+        </p:txBody>
+      </p:sp>
+      <p:sp>
+        <p:nvSpPr>
+          <p:cNvPr id="9" name="TextBox 8">
+            <a:extLst>
+              <a:ext uri="{FF2B5EF4-FFF2-40B4-BE49-F238E27FC236}">
+                <a16:creationId xmlns:a16="http://schemas.microsoft.com/office/drawing/2014/main" id="{2D93FB91-1CCB-4F40-8110-791759806717}"/>
+              </a:ext>
+            </a:extLst>
+          </p:cNvPr>
+          <p:cNvSpPr txBox="1"/>
+          <p:nvPr/>
+        </p:nvSpPr>
+        <p:spPr>
+          <a:xfrm>
+            <a:off x="971600" y="6453336"/>
+            <a:ext cx="1440160" cy="276999"/>
+          </a:xfrm>
+          <a:prstGeom prst="rect">
+            <a:avLst/>
+          </a:prstGeom>
+          <a:noFill/>
+        </p:spPr>
+        <p:txBody>
+          <a:bodyPr wrap="square" rtlCol="0">
+            <a:spAutoFit/>
+          </a:bodyPr>
+          <a:lstStyle/>
+          <a:p>
+            <a:r>
+              <a:rPr lang="en-GB" sz="1200" dirty="0"/>
+              <a:t>494(P)-BAS-03</a:t>
+            </a:r>
+          </a:p>
+        </p:txBody>
+      </p:sp>
+    </p:spTree>
+    <p:extLst>
+      <p:ext uri="{BB962C8B-B14F-4D97-AF65-F5344CB8AC3E}">
+        <p14:creationId xmlns:p14="http://schemas.microsoft.com/office/powerpoint/2010/main" val="1126652675"/>
+      </p:ext>
+    </p:extLst>
+  </p:cSld>
+  <p:clrMapOvr>
+    <a:masterClrMapping/>
+  </p:clrMapOvr>
+</p:sld>
+</file>
+
+<file path=ppt/slides/slide36.xml><?xml version="1.0" encoding="utf-8"?>
+<p:sld xmlns:a="http://schemas.openxmlformats.org/drawingml/2006/main" xmlns:r="http://schemas.openxmlformats.org/officeDocument/2006/relationships" xmlns:p="http://schemas.openxmlformats.org/presentationml/2006/main">
+  <p:cSld>
+    <p:spTree>
+      <p:nvGrpSpPr>
+        <p:cNvPr id="1" name=""/>
+        <p:cNvGrpSpPr/>
+        <p:nvPr/>
+      </p:nvGrpSpPr>
+      <p:grpSpPr>
+        <a:xfrm>
+          <a:off x="0" y="0"/>
+          <a:ext cx="0" cy="0"/>
+          <a:chOff x="0" y="0"/>
+          <a:chExt cx="0" cy="0"/>
+        </a:xfrm>
+      </p:grpSpPr>
+      <p:sp>
+        <p:nvSpPr>
+          <p:cNvPr id="6" name="Title 5">
+            <a:extLst>
+              <a:ext uri="{FF2B5EF4-FFF2-40B4-BE49-F238E27FC236}">
+                <a16:creationId xmlns:a16="http://schemas.microsoft.com/office/drawing/2014/main" id="{C5372D0A-E260-4F85-BA5F-02B997435337}"/>
+              </a:ext>
+            </a:extLst>
+          </p:cNvPr>
+          <p:cNvSpPr>
+            <a:spLocks noGrp="1"/>
+          </p:cNvSpPr>
+          <p:nvPr>
+            <p:ph type="title"/>
+          </p:nvPr>
+        </p:nvSpPr>
+        <p:spPr/>
+        <p:txBody>
+          <a:bodyPr/>
+          <a:lstStyle/>
+          <a:p>
+            <a:r>
+              <a:rPr lang="en-GB" sz="3700" dirty="0"/>
+              <a:t>Landing</a:t>
+            </a:r>
+          </a:p>
+        </p:txBody>
+      </p:sp>
+      <p:sp>
+        <p:nvSpPr>
+          <p:cNvPr id="7" name="Content Placeholder 6">
+            <a:extLst>
+              <a:ext uri="{FF2B5EF4-FFF2-40B4-BE49-F238E27FC236}">
+                <a16:creationId xmlns:a16="http://schemas.microsoft.com/office/drawing/2014/main" id="{81C08BC2-19A8-464B-A2C7-FE134A960E49}"/>
+              </a:ext>
+            </a:extLst>
+          </p:cNvPr>
+          <p:cNvSpPr>
+            <a:spLocks noGrp="1"/>
+          </p:cNvSpPr>
+          <p:nvPr>
+            <p:ph idx="1"/>
+          </p:nvPr>
+        </p:nvSpPr>
+        <p:spPr>
+          <a:xfrm>
+            <a:off x="755576" y="1628801"/>
+            <a:ext cx="3816424" cy="4351338"/>
+          </a:xfrm>
+        </p:spPr>
+        <p:txBody>
+          <a:bodyPr/>
+          <a:lstStyle/>
+          <a:p>
+            <a:r>
+              <a:rPr lang="en-GB" sz="2200" dirty="0"/>
+              <a:t>Whilst performing landings with crosswinds, it may be appropriate to turn the aircraft into the wind to nullify the effect of the crosswind. </a:t>
+            </a:r>
+          </a:p>
+          <a:p>
+            <a:r>
+              <a:rPr lang="en-GB" sz="2200" dirty="0"/>
+              <a:t>In doing so, pressing the ‘CAGE/UNCAGE’ button on the HOTAS will cage the HUD, keeping the velocity vector central in the HUD. A hollow crosshair will replace the velocity vector to indicate drift.</a:t>
+            </a:r>
+          </a:p>
+        </p:txBody>
+      </p:sp>
+      <p:sp>
+        <p:nvSpPr>
+          <p:cNvPr id="9" name="TextBox 8">
+            <a:extLst>
+              <a:ext uri="{FF2B5EF4-FFF2-40B4-BE49-F238E27FC236}">
+                <a16:creationId xmlns:a16="http://schemas.microsoft.com/office/drawing/2014/main" id="{2D93FB91-1CCB-4F40-8110-791759806717}"/>
+              </a:ext>
+            </a:extLst>
+          </p:cNvPr>
+          <p:cNvSpPr txBox="1"/>
+          <p:nvPr/>
+        </p:nvSpPr>
+        <p:spPr>
+          <a:xfrm>
+            <a:off x="971600" y="6453336"/>
+            <a:ext cx="1440160" cy="276999"/>
+          </a:xfrm>
+          <a:prstGeom prst="rect">
+            <a:avLst/>
+          </a:prstGeom>
+          <a:noFill/>
+        </p:spPr>
+        <p:txBody>
+          <a:bodyPr wrap="square" rtlCol="0">
+            <a:spAutoFit/>
+          </a:bodyPr>
+          <a:lstStyle/>
+          <a:p>
+            <a:r>
+              <a:rPr lang="en-GB" sz="1200" dirty="0"/>
+              <a:t>494(P)-BAS-03</a:t>
+            </a:r>
+          </a:p>
+        </p:txBody>
+      </p:sp>
+      <p:pic>
+        <p:nvPicPr>
+          <p:cNvPr id="3" name="Picture 2">
+            <a:extLst>
+              <a:ext uri="{FF2B5EF4-FFF2-40B4-BE49-F238E27FC236}">
+                <a16:creationId xmlns:a16="http://schemas.microsoft.com/office/drawing/2014/main" id="{9EADA46F-A349-409E-BEC5-E81117F26BB3}"/>
+              </a:ext>
+            </a:extLst>
+          </p:cNvPr>
+          <p:cNvPicPr>
+            <a:picLocks noChangeAspect="1"/>
+          </p:cNvPicPr>
+          <p:nvPr/>
+        </p:nvPicPr>
+        <p:blipFill>
+          <a:blip r:embed="rId2"/>
+          <a:stretch>
+            <a:fillRect/>
+          </a:stretch>
+        </p:blipFill>
+        <p:spPr>
+          <a:xfrm>
+            <a:off x="4644008" y="1494942"/>
+            <a:ext cx="4274243" cy="4619056"/>
+          </a:xfrm>
+          <a:prstGeom prst="rect">
+            <a:avLst/>
+          </a:prstGeom>
+        </p:spPr>
+      </p:pic>
+    </p:spTree>
+    <p:extLst>
+      <p:ext uri="{BB962C8B-B14F-4D97-AF65-F5344CB8AC3E}">
+        <p14:creationId xmlns:p14="http://schemas.microsoft.com/office/powerpoint/2010/main" val="2356349418"/>
+      </p:ext>
+    </p:extLst>
+  </p:cSld>
+  <p:clrMapOvr>
+    <a:masterClrMapping/>
+  </p:clrMapOvr>
+</p:sld>
+</file>
+
+<file path=ppt/slides/slide37.xml><?xml version="1.0" encoding="utf-8"?>
+<p:sld xmlns:a="http://schemas.openxmlformats.org/drawingml/2006/main" xmlns:r="http://schemas.openxmlformats.org/officeDocument/2006/relationships" xmlns:p="http://schemas.openxmlformats.org/presentationml/2006/main">
+  <p:cSld>
+    <p:spTree>
+      <p:nvGrpSpPr>
+        <p:cNvPr id="1" name=""/>
+        <p:cNvGrpSpPr/>
+        <p:nvPr/>
+      </p:nvGrpSpPr>
+      <p:grpSpPr>
+        <a:xfrm>
+          <a:off x="0" y="0"/>
+          <a:ext cx="0" cy="0"/>
+          <a:chOff x="0" y="0"/>
+          <a:chExt cx="0" cy="0"/>
+        </a:xfrm>
+      </p:grpSpPr>
+      <p:sp>
+        <p:nvSpPr>
+          <p:cNvPr id="6" name="Title 5">
+            <a:extLst>
+              <a:ext uri="{FF2B5EF4-FFF2-40B4-BE49-F238E27FC236}">
+                <a16:creationId xmlns:a16="http://schemas.microsoft.com/office/drawing/2014/main" id="{C5372D0A-E260-4F85-BA5F-02B997435337}"/>
+              </a:ext>
+            </a:extLst>
+          </p:cNvPr>
+          <p:cNvSpPr>
+            <a:spLocks noGrp="1"/>
+          </p:cNvSpPr>
+          <p:nvPr>
+            <p:ph type="title"/>
+          </p:nvPr>
+        </p:nvSpPr>
+        <p:spPr/>
+        <p:txBody>
+          <a:bodyPr/>
+          <a:lstStyle/>
+          <a:p>
+            <a:r>
+              <a:rPr lang="en-GB" sz="3700" dirty="0"/>
+              <a:t>Landing</a:t>
+            </a:r>
+          </a:p>
+        </p:txBody>
+      </p:sp>
+      <p:sp>
+        <p:nvSpPr>
+          <p:cNvPr id="7" name="Content Placeholder 6">
+            <a:extLst>
+              <a:ext uri="{FF2B5EF4-FFF2-40B4-BE49-F238E27FC236}">
+                <a16:creationId xmlns:a16="http://schemas.microsoft.com/office/drawing/2014/main" id="{81C08BC2-19A8-464B-A2C7-FE134A960E49}"/>
+              </a:ext>
+            </a:extLst>
+          </p:cNvPr>
+          <p:cNvSpPr>
+            <a:spLocks noGrp="1"/>
+          </p:cNvSpPr>
+          <p:nvPr>
+            <p:ph idx="1"/>
+          </p:nvPr>
+        </p:nvSpPr>
+        <p:spPr/>
+        <p:txBody>
+          <a:bodyPr/>
+          <a:lstStyle/>
+          <a:p>
+            <a:r>
+              <a:rPr lang="en-GB" sz="2400" dirty="0"/>
+              <a:t>For the majority of the approach, this crosshair will replace the velocity vector – place the crosshair over the intended touchdown zone and fly the approach as normal.</a:t>
+            </a:r>
+          </a:p>
+          <a:p>
+            <a:r>
+              <a:rPr lang="en-GB" sz="2400" dirty="0"/>
+              <a:t>Just before touchdown, ‘kick’ the aircraft using the rudder into a straight line and attempt to touch down with the aircraft oriented down the runway.</a:t>
+            </a:r>
+          </a:p>
+          <a:p>
+            <a:r>
+              <a:rPr lang="en-GB" sz="2400" dirty="0"/>
+              <a:t>This technique requires practice!</a:t>
+            </a:r>
+          </a:p>
+        </p:txBody>
+      </p:sp>
+      <p:sp>
+        <p:nvSpPr>
+          <p:cNvPr id="9" name="TextBox 8">
+            <a:extLst>
+              <a:ext uri="{FF2B5EF4-FFF2-40B4-BE49-F238E27FC236}">
+                <a16:creationId xmlns:a16="http://schemas.microsoft.com/office/drawing/2014/main" id="{2D93FB91-1CCB-4F40-8110-791759806717}"/>
+              </a:ext>
+            </a:extLst>
+          </p:cNvPr>
+          <p:cNvSpPr txBox="1"/>
+          <p:nvPr/>
+        </p:nvSpPr>
+        <p:spPr>
+          <a:xfrm>
+            <a:off x="971600" y="6453336"/>
+            <a:ext cx="1440160" cy="276999"/>
+          </a:xfrm>
+          <a:prstGeom prst="rect">
+            <a:avLst/>
+          </a:prstGeom>
+          <a:noFill/>
+        </p:spPr>
+        <p:txBody>
+          <a:bodyPr wrap="square" rtlCol="0">
+            <a:spAutoFit/>
+          </a:bodyPr>
+          <a:lstStyle/>
+          <a:p>
+            <a:r>
+              <a:rPr lang="en-GB" sz="1200" dirty="0"/>
+              <a:t>494(P)-BAS-03</a:t>
+            </a:r>
+          </a:p>
+        </p:txBody>
+      </p:sp>
+    </p:spTree>
+    <p:extLst>
+      <p:ext uri="{BB962C8B-B14F-4D97-AF65-F5344CB8AC3E}">
+        <p14:creationId xmlns:p14="http://schemas.microsoft.com/office/powerpoint/2010/main" val="769937497"/>
+      </p:ext>
+    </p:extLst>
+  </p:cSld>
+  <p:clrMapOvr>
+    <a:masterClrMapping/>
+  </p:clrMapOvr>
+</p:sld>
+</file>
+
+<file path=ppt/slides/slide38.xml><?xml version="1.0" encoding="utf-8"?>
+<p:sld xmlns:a="http://schemas.openxmlformats.org/drawingml/2006/main" xmlns:r="http://schemas.openxmlformats.org/officeDocument/2006/relationships" xmlns:p="http://schemas.openxmlformats.org/presentationml/2006/main">
+  <p:cSld>
+    <p:spTree>
+      <p:nvGrpSpPr>
+        <p:cNvPr id="1" name=""/>
+        <p:cNvGrpSpPr/>
+        <p:nvPr/>
+      </p:nvGrpSpPr>
+      <p:grpSpPr>
+        <a:xfrm>
+          <a:off x="0" y="0"/>
+          <a:ext cx="0" cy="0"/>
+          <a:chOff x="0" y="0"/>
+          <a:chExt cx="0" cy="0"/>
+        </a:xfrm>
+      </p:grpSpPr>
+      <p:sp>
+        <p:nvSpPr>
+          <p:cNvPr id="7" name="Title 6">
+            <a:extLst>
+              <a:ext uri="{FF2B5EF4-FFF2-40B4-BE49-F238E27FC236}">
+                <a16:creationId xmlns:a16="http://schemas.microsoft.com/office/drawing/2014/main" id="{264D352A-6490-4480-892C-323D5009DE9E}"/>
+              </a:ext>
+            </a:extLst>
+          </p:cNvPr>
+          <p:cNvSpPr>
+            <a:spLocks noGrp="1"/>
+          </p:cNvSpPr>
+          <p:nvPr>
+            <p:ph type="title"/>
+          </p:nvPr>
+        </p:nvSpPr>
+        <p:spPr/>
+        <p:txBody>
+          <a:bodyPr/>
+          <a:lstStyle/>
+          <a:p>
+            <a:r>
+              <a:rPr lang="en-GB" b="1" dirty="0"/>
+              <a:t>Conducting a Touch and Go</a:t>
+            </a:r>
+          </a:p>
+        </p:txBody>
+      </p:sp>
+      <p:sp>
+        <p:nvSpPr>
+          <p:cNvPr id="8" name="Content Placeholder 7">
+            <a:extLst>
+              <a:ext uri="{FF2B5EF4-FFF2-40B4-BE49-F238E27FC236}">
+                <a16:creationId xmlns:a16="http://schemas.microsoft.com/office/drawing/2014/main" id="{BE0E3DF2-7D61-4E65-B9C8-8C8786AC82BB}"/>
+              </a:ext>
+            </a:extLst>
+          </p:cNvPr>
+          <p:cNvSpPr>
+            <a:spLocks noGrp="1"/>
+          </p:cNvSpPr>
+          <p:nvPr>
+            <p:ph sz="half" idx="1"/>
+          </p:nvPr>
+        </p:nvSpPr>
+        <p:spPr>
+          <a:xfrm>
+            <a:off x="395536" y="1817333"/>
+            <a:ext cx="4752528" cy="4351338"/>
+          </a:xfrm>
+        </p:spPr>
+        <p:txBody>
+          <a:bodyPr/>
+          <a:lstStyle/>
+          <a:p>
+            <a:r>
+              <a:rPr lang="en-GB" sz="2600" dirty="0"/>
+              <a:t>Conducting a Touch and Go</a:t>
+            </a:r>
+          </a:p>
+          <a:p>
+            <a:endParaRPr lang="en-GB" sz="2600" dirty="0"/>
+          </a:p>
+        </p:txBody>
+      </p:sp>
+      <p:sp>
+        <p:nvSpPr>
+          <p:cNvPr id="6" name="TextBox 5">
+            <a:extLst>
+              <a:ext uri="{FF2B5EF4-FFF2-40B4-BE49-F238E27FC236}">
+                <a16:creationId xmlns:a16="http://schemas.microsoft.com/office/drawing/2014/main" id="{E1CC5CBC-7FFB-44CA-B3ED-FD229E0BDE86}"/>
+              </a:ext>
+            </a:extLst>
+          </p:cNvPr>
+          <p:cNvSpPr txBox="1"/>
+          <p:nvPr/>
+        </p:nvSpPr>
+        <p:spPr>
+          <a:xfrm>
+            <a:off x="971600" y="6453336"/>
+            <a:ext cx="1440160" cy="276999"/>
+          </a:xfrm>
+          <a:prstGeom prst="rect">
+            <a:avLst/>
+          </a:prstGeom>
+          <a:noFill/>
+        </p:spPr>
+        <p:txBody>
+          <a:bodyPr wrap="square" rtlCol="0">
+            <a:spAutoFit/>
+          </a:bodyPr>
+          <a:lstStyle/>
+          <a:p>
+            <a:r>
+              <a:rPr lang="en-GB" sz="1200" dirty="0"/>
+              <a:t>494(P)-BAS-03</a:t>
+            </a:r>
+          </a:p>
+        </p:txBody>
+      </p:sp>
+    </p:spTree>
+    <p:extLst>
+      <p:ext uri="{BB962C8B-B14F-4D97-AF65-F5344CB8AC3E}">
+        <p14:creationId xmlns:p14="http://schemas.microsoft.com/office/powerpoint/2010/main" val="4159823134"/>
+      </p:ext>
+    </p:extLst>
+  </p:cSld>
+  <p:clrMapOvr>
+    <a:masterClrMapping/>
+  </p:clrMapOvr>
+</p:sld>
+</file>
+
+<file path=ppt/slides/slide39.xml><?xml version="1.0" encoding="utf-8"?>
+<p:sld xmlns:a="http://schemas.openxmlformats.org/drawingml/2006/main" xmlns:r="http://schemas.openxmlformats.org/officeDocument/2006/relationships" xmlns:p="http://schemas.openxmlformats.org/presentationml/2006/main">
+  <p:cSld>
+    <p:spTree>
+      <p:nvGrpSpPr>
+        <p:cNvPr id="1" name=""/>
+        <p:cNvGrpSpPr/>
+        <p:nvPr/>
+      </p:nvGrpSpPr>
+      <p:grpSpPr>
+        <a:xfrm>
+          <a:off x="0" y="0"/>
+          <a:ext cx="0" cy="0"/>
+          <a:chOff x="0" y="0"/>
+          <a:chExt cx="0" cy="0"/>
+        </a:xfrm>
+      </p:grpSpPr>
+      <p:sp>
+        <p:nvSpPr>
+          <p:cNvPr id="6" name="Title 5">
+            <a:extLst>
+              <a:ext uri="{FF2B5EF4-FFF2-40B4-BE49-F238E27FC236}">
+                <a16:creationId xmlns:a16="http://schemas.microsoft.com/office/drawing/2014/main" id="{C5372D0A-E260-4F85-BA5F-02B997435337}"/>
+              </a:ext>
+            </a:extLst>
+          </p:cNvPr>
+          <p:cNvSpPr>
+            <a:spLocks noGrp="1"/>
+          </p:cNvSpPr>
+          <p:nvPr>
+            <p:ph type="title"/>
+          </p:nvPr>
+        </p:nvSpPr>
+        <p:spPr/>
+        <p:txBody>
+          <a:bodyPr/>
+          <a:lstStyle/>
+          <a:p>
+            <a:r>
+              <a:rPr lang="en-GB" sz="3700" dirty="0"/>
+              <a:t>Conducting a Touch and Go</a:t>
+            </a:r>
+          </a:p>
+        </p:txBody>
+      </p:sp>
+      <p:sp>
+        <p:nvSpPr>
+          <p:cNvPr id="7" name="Content Placeholder 6">
+            <a:extLst>
+              <a:ext uri="{FF2B5EF4-FFF2-40B4-BE49-F238E27FC236}">
+                <a16:creationId xmlns:a16="http://schemas.microsoft.com/office/drawing/2014/main" id="{81C08BC2-19A8-464B-A2C7-FE134A960E49}"/>
+              </a:ext>
+            </a:extLst>
+          </p:cNvPr>
+          <p:cNvSpPr>
+            <a:spLocks noGrp="1"/>
+          </p:cNvSpPr>
+          <p:nvPr>
+            <p:ph idx="1"/>
+          </p:nvPr>
+        </p:nvSpPr>
+        <p:spPr/>
+        <p:txBody>
+          <a:bodyPr/>
+          <a:lstStyle/>
+          <a:p>
+            <a:r>
+              <a:rPr lang="en-GB" sz="2400" dirty="0"/>
+              <a:t>Performing a Touch and Go landing is very similar to a ‘full stop’ landing.</a:t>
+            </a:r>
+          </a:p>
+          <a:p>
+            <a:r>
+              <a:rPr lang="en-GB" sz="2400" dirty="0"/>
+              <a:t>When the aircraft is on the runway, idle the throttle, relax on the controls and ensure that the aircraft is rolling straight down the runway.</a:t>
+            </a:r>
+          </a:p>
+          <a:p>
+            <a:r>
+              <a:rPr lang="en-GB" sz="2400" dirty="0"/>
+              <a:t>Relax on the controls and retract the flaps to ‘HALF’.</a:t>
+            </a:r>
+          </a:p>
+          <a:p>
+            <a:r>
+              <a:rPr lang="en-GB" sz="2400" dirty="0"/>
+              <a:t>Apply afterburner and rotate as per a normal </a:t>
+            </a:r>
+            <a:r>
+              <a:rPr lang="en-GB" sz="2400" dirty="0" err="1"/>
+              <a:t>takeoff</a:t>
+            </a:r>
+            <a:r>
+              <a:rPr lang="en-GB" sz="2400" dirty="0"/>
+              <a:t>.</a:t>
+            </a:r>
+          </a:p>
+        </p:txBody>
+      </p:sp>
+      <p:sp>
+        <p:nvSpPr>
+          <p:cNvPr id="9" name="TextBox 8">
+            <a:extLst>
+              <a:ext uri="{FF2B5EF4-FFF2-40B4-BE49-F238E27FC236}">
+                <a16:creationId xmlns:a16="http://schemas.microsoft.com/office/drawing/2014/main" id="{2D93FB91-1CCB-4F40-8110-791759806717}"/>
+              </a:ext>
+            </a:extLst>
+          </p:cNvPr>
+          <p:cNvSpPr txBox="1"/>
+          <p:nvPr/>
+        </p:nvSpPr>
+        <p:spPr>
+          <a:xfrm>
+            <a:off x="971600" y="6453336"/>
+            <a:ext cx="1440160" cy="276999"/>
+          </a:xfrm>
+          <a:prstGeom prst="rect">
+            <a:avLst/>
+          </a:prstGeom>
+          <a:noFill/>
+        </p:spPr>
+        <p:txBody>
+          <a:bodyPr wrap="square" rtlCol="0">
+            <a:spAutoFit/>
+          </a:bodyPr>
+          <a:lstStyle/>
+          <a:p>
+            <a:r>
+              <a:rPr lang="en-GB" sz="1200" dirty="0"/>
+              <a:t>494(P)-BAS-03</a:t>
+            </a:r>
+          </a:p>
+        </p:txBody>
+      </p:sp>
+    </p:spTree>
+    <p:extLst>
+      <p:ext uri="{BB962C8B-B14F-4D97-AF65-F5344CB8AC3E}">
+        <p14:creationId xmlns:p14="http://schemas.microsoft.com/office/powerpoint/2010/main" val="1706075808"/>
       </p:ext>
     </p:extLst>
   </p:cSld>
